--- a/LostDocument/開発用仕様書.pptx
+++ b/LostDocument/開発用仕様書.pptx
@@ -9,6 +9,7 @@
     <p:sldId id="288" r:id="rId3"/>
     <p:sldId id="292" r:id="rId4"/>
     <p:sldId id="290" r:id="rId5"/>
+    <p:sldId id="293" r:id="rId6"/>
   </p:sldIdLst>
   <p:sldSz cx="12192000" cy="6858000"/>
   <p:notesSz cx="6858000" cy="9144000"/>
@@ -107,6 +108,11 @@
       </a:defRPr>
     </a:lvl9pPr>
   </p:defaultTextStyle>
+  <p:extLst>
+    <p:ext uri="{EFAFB233-063F-42B5-8137-9DF3F51BA10A}">
+      <p15:sldGuideLst xmlns:p15="http://schemas.microsoft.com/office/powerpoint/2012/main"/>
+    </p:ext>
+  </p:extLst>
 </p:presentation>
 </file>
 
@@ -167,7 +173,7 @@
           <a:noFill/>
           <a:extLst>
             <a:ext uri="{909E8E84-426E-40dd-AFC4-6F175D3DCCD1}">
-              <a14:hiddenFill xmlns:a14="http://schemas.microsoft.com/office/drawing/2010/main" xmlns="">
+              <a14:hiddenFill xmlns="" xmlns:a14="http://schemas.microsoft.com/office/drawing/2010/main">
                 <a:solidFill>
                   <a:srgbClr val="FFFFFF"/>
                 </a:solidFill>
@@ -226,7 +232,7 @@
             </a:ln>
             <a:extLst>
               <a:ext uri="{91240B29-F687-4f45-9708-019B960494DF}">
-                <a14:hiddenLine xmlns:a14="http://schemas.microsoft.com/office/drawing/2010/main" xmlns="" w="9525">
+                <a14:hiddenLine xmlns="" xmlns:a14="http://schemas.microsoft.com/office/drawing/2010/main" w="9525">
                   <a:solidFill>
                     <a:srgbClr val="000000"/>
                   </a:solidFill>
@@ -316,7 +322,7 @@
             </a:ln>
             <a:extLst>
               <a:ext uri="{91240B29-F687-4f45-9708-019B960494DF}">
-                <a14:hiddenLine xmlns:a14="http://schemas.microsoft.com/office/drawing/2010/main" xmlns="" w="9525">
+                <a14:hiddenLine xmlns="" xmlns:a14="http://schemas.microsoft.com/office/drawing/2010/main" w="9525">
                   <a:solidFill>
                     <a:srgbClr val="000000"/>
                   </a:solidFill>
@@ -406,7 +412,7 @@
             </a:ln>
             <a:extLst>
               <a:ext uri="{91240B29-F687-4f45-9708-019B960494DF}">
-                <a14:hiddenLine xmlns:a14="http://schemas.microsoft.com/office/drawing/2010/main" xmlns="" w="9525">
+                <a14:hiddenLine xmlns="" xmlns:a14="http://schemas.microsoft.com/office/drawing/2010/main" w="9525">
                   <a:solidFill>
                     <a:srgbClr val="000000"/>
                   </a:solidFill>
@@ -440,7 +446,7 @@
             </a:ln>
             <a:extLst>
               <a:ext uri="{91240B29-F687-4f45-9708-019B960494DF}">
-                <a14:hiddenLine xmlns:a14="http://schemas.microsoft.com/office/drawing/2010/main" xmlns="" w="9525">
+                <a14:hiddenLine xmlns="" xmlns:a14="http://schemas.microsoft.com/office/drawing/2010/main" w="9525">
                   <a:solidFill>
                     <a:srgbClr val="000000"/>
                   </a:solidFill>
@@ -530,7 +536,7 @@
             </a:ln>
             <a:extLst>
               <a:ext uri="{91240B29-F687-4f45-9708-019B960494DF}">
-                <a14:hiddenLine xmlns:a14="http://schemas.microsoft.com/office/drawing/2010/main" xmlns="" w="9525">
+                <a14:hiddenLine xmlns="" xmlns:a14="http://schemas.microsoft.com/office/drawing/2010/main" w="9525">
                   <a:solidFill>
                     <a:srgbClr val="000000"/>
                   </a:solidFill>
@@ -592,7 +598,7 @@
             </a:ln>
             <a:extLst>
               <a:ext uri="{91240B29-F687-4f45-9708-019B960494DF}">
-                <a14:hiddenLine xmlns:a14="http://schemas.microsoft.com/office/drawing/2010/main" xmlns="" w="9525">
+                <a14:hiddenLine xmlns="" xmlns:a14="http://schemas.microsoft.com/office/drawing/2010/main" w="9525">
                   <a:solidFill>
                     <a:srgbClr val="000000"/>
                   </a:solidFill>
@@ -654,7 +660,7 @@
             </a:ln>
             <a:extLst>
               <a:ext uri="{91240B29-F687-4f45-9708-019B960494DF}">
-                <a14:hiddenLine xmlns:a14="http://schemas.microsoft.com/office/drawing/2010/main" xmlns="" w="9525">
+                <a14:hiddenLine xmlns="" xmlns:a14="http://schemas.microsoft.com/office/drawing/2010/main" w="9525">
                   <a:solidFill>
                     <a:srgbClr val="000000"/>
                   </a:solidFill>
@@ -744,7 +750,7 @@
             </a:ln>
             <a:extLst>
               <a:ext uri="{91240B29-F687-4f45-9708-019B960494DF}">
-                <a14:hiddenLine xmlns:a14="http://schemas.microsoft.com/office/drawing/2010/main" xmlns="" w="9525">
+                <a14:hiddenLine xmlns="" xmlns:a14="http://schemas.microsoft.com/office/drawing/2010/main" w="9525">
                   <a:solidFill>
                     <a:srgbClr val="000000"/>
                   </a:solidFill>
@@ -806,7 +812,7 @@
             </a:ln>
             <a:extLst>
               <a:ext uri="{91240B29-F687-4f45-9708-019B960494DF}">
-                <a14:hiddenLine xmlns:a14="http://schemas.microsoft.com/office/drawing/2010/main" xmlns="" w="9525">
+                <a14:hiddenLine xmlns="" xmlns:a14="http://schemas.microsoft.com/office/drawing/2010/main" w="9525">
                   <a:solidFill>
                     <a:srgbClr val="000000"/>
                   </a:solidFill>
@@ -868,7 +874,7 @@
             </a:ln>
             <a:extLst>
               <a:ext uri="{91240B29-F687-4f45-9708-019B960494DF}">
-                <a14:hiddenLine xmlns:a14="http://schemas.microsoft.com/office/drawing/2010/main" xmlns="" w="9525">
+                <a14:hiddenLine xmlns="" xmlns:a14="http://schemas.microsoft.com/office/drawing/2010/main" w="9525">
                   <a:solidFill>
                     <a:srgbClr val="000000"/>
                   </a:solidFill>
@@ -958,7 +964,7 @@
             </a:ln>
             <a:extLst>
               <a:ext uri="{91240B29-F687-4f45-9708-019B960494DF}">
-                <a14:hiddenLine xmlns:a14="http://schemas.microsoft.com/office/drawing/2010/main" xmlns="" w="9525">
+                <a14:hiddenLine xmlns="" xmlns:a14="http://schemas.microsoft.com/office/drawing/2010/main" w="9525">
                   <a:solidFill>
                     <a:srgbClr val="000000"/>
                   </a:solidFill>
@@ -1048,7 +1054,7 @@
             </a:ln>
             <a:extLst>
               <a:ext uri="{91240B29-F687-4f45-9708-019B960494DF}">
-                <a14:hiddenLine xmlns:a14="http://schemas.microsoft.com/office/drawing/2010/main" xmlns="" w="9525">
+                <a14:hiddenLine xmlns="" xmlns:a14="http://schemas.microsoft.com/office/drawing/2010/main" w="9525">
                   <a:solidFill>
                     <a:srgbClr val="000000"/>
                   </a:solidFill>
@@ -1110,7 +1116,7 @@
             </a:ln>
             <a:extLst>
               <a:ext uri="{91240B29-F687-4f45-9708-019B960494DF}">
-                <a14:hiddenLine xmlns:a14="http://schemas.microsoft.com/office/drawing/2010/main" xmlns="" w="9525">
+                <a14:hiddenLine xmlns="" xmlns:a14="http://schemas.microsoft.com/office/drawing/2010/main" w="9525">
                   <a:solidFill>
                     <a:srgbClr val="000000"/>
                   </a:solidFill>
@@ -1220,7 +1226,7 @@
             </a:ln>
             <a:extLst>
               <a:ext uri="{91240B29-F687-4f45-9708-019B960494DF}">
-                <a14:hiddenLine xmlns:a14="http://schemas.microsoft.com/office/drawing/2010/main" xmlns="" w="9525">
+                <a14:hiddenLine xmlns="" xmlns:a14="http://schemas.microsoft.com/office/drawing/2010/main" w="9525">
                   <a:solidFill>
                     <a:srgbClr val="000000"/>
                   </a:solidFill>
@@ -1282,7 +1288,7 @@
             </a:ln>
             <a:extLst>
               <a:ext uri="{91240B29-F687-4f45-9708-019B960494DF}">
-                <a14:hiddenLine xmlns:a14="http://schemas.microsoft.com/office/drawing/2010/main" xmlns="" w="9525">
+                <a14:hiddenLine xmlns="" xmlns:a14="http://schemas.microsoft.com/office/drawing/2010/main" w="9525">
                   <a:solidFill>
                     <a:srgbClr val="000000"/>
                   </a:solidFill>
@@ -1372,7 +1378,7 @@
             </a:ln>
             <a:extLst>
               <a:ext uri="{91240B29-F687-4f45-9708-019B960494DF}">
-                <a14:hiddenLine xmlns:a14="http://schemas.microsoft.com/office/drawing/2010/main" xmlns="" w="9525">
+                <a14:hiddenLine xmlns="" xmlns:a14="http://schemas.microsoft.com/office/drawing/2010/main" w="9525">
                   <a:solidFill>
                     <a:srgbClr val="000000"/>
                   </a:solidFill>
@@ -1462,7 +1468,7 @@
             </a:ln>
             <a:extLst>
               <a:ext uri="{91240B29-F687-4f45-9708-019B960494DF}">
-                <a14:hiddenLine xmlns:a14="http://schemas.microsoft.com/office/drawing/2010/main" xmlns="" w="9525">
+                <a14:hiddenLine xmlns="" xmlns:a14="http://schemas.microsoft.com/office/drawing/2010/main" w="9525">
                   <a:solidFill>
                     <a:srgbClr val="000000"/>
                   </a:solidFill>
@@ -1524,7 +1530,7 @@
             </a:ln>
             <a:extLst>
               <a:ext uri="{91240B29-F687-4f45-9708-019B960494DF}">
-                <a14:hiddenLine xmlns:a14="http://schemas.microsoft.com/office/drawing/2010/main" xmlns="" w="9525">
+                <a14:hiddenLine xmlns="" xmlns:a14="http://schemas.microsoft.com/office/drawing/2010/main" w="9525">
                   <a:solidFill>
                     <a:srgbClr val="000000"/>
                   </a:solidFill>
@@ -1614,7 +1620,7 @@
             </a:ln>
             <a:extLst>
               <a:ext uri="{91240B29-F687-4f45-9708-019B960494DF}">
-                <a14:hiddenLine xmlns:a14="http://schemas.microsoft.com/office/drawing/2010/main" xmlns="" w="9525">
+                <a14:hiddenLine xmlns="" xmlns:a14="http://schemas.microsoft.com/office/drawing/2010/main" w="9525">
                   <a:solidFill>
                     <a:srgbClr val="000000"/>
                   </a:solidFill>
@@ -1704,7 +1710,7 @@
             </a:ln>
             <a:extLst>
               <a:ext uri="{91240B29-F687-4f45-9708-019B960494DF}">
-                <a14:hiddenLine xmlns:a14="http://schemas.microsoft.com/office/drawing/2010/main" xmlns="" w="9525">
+                <a14:hiddenLine xmlns="" xmlns:a14="http://schemas.microsoft.com/office/drawing/2010/main" w="9525">
                   <a:solidFill>
                     <a:srgbClr val="000000"/>
                   </a:solidFill>
@@ -1760,7 +1766,7 @@
             </a:ln>
             <a:extLst>
               <a:ext uri="{91240B29-F687-4f45-9708-019B960494DF}">
-                <a14:hiddenLine xmlns:a14="http://schemas.microsoft.com/office/drawing/2010/main" xmlns="" w="9525">
+                <a14:hiddenLine xmlns="" xmlns:a14="http://schemas.microsoft.com/office/drawing/2010/main" w="9525">
                   <a:solidFill>
                     <a:srgbClr val="000000"/>
                   </a:solidFill>
@@ -1850,7 +1856,7 @@
             </a:ln>
             <a:extLst>
               <a:ext uri="{91240B29-F687-4f45-9708-019B960494DF}">
-                <a14:hiddenLine xmlns:a14="http://schemas.microsoft.com/office/drawing/2010/main" xmlns="" w="9525">
+                <a14:hiddenLine xmlns="" xmlns:a14="http://schemas.microsoft.com/office/drawing/2010/main" w="9525">
                   <a:solidFill>
                     <a:srgbClr val="000000"/>
                   </a:solidFill>
@@ -1906,7 +1912,7 @@
             </a:ln>
             <a:extLst>
               <a:ext uri="{91240B29-F687-4f45-9708-019B960494DF}">
-                <a14:hiddenLine xmlns:a14="http://schemas.microsoft.com/office/drawing/2010/main" xmlns="" w="9525">
+                <a14:hiddenLine xmlns="" xmlns:a14="http://schemas.microsoft.com/office/drawing/2010/main" w="9525">
                   <a:solidFill>
                     <a:srgbClr val="000000"/>
                   </a:solidFill>
@@ -1996,7 +2002,7 @@
             </a:ln>
             <a:extLst>
               <a:ext uri="{91240B29-F687-4f45-9708-019B960494DF}">
-                <a14:hiddenLine xmlns:a14="http://schemas.microsoft.com/office/drawing/2010/main" xmlns="" w="9525">
+                <a14:hiddenLine xmlns="" xmlns:a14="http://schemas.microsoft.com/office/drawing/2010/main" w="9525">
                   <a:solidFill>
                     <a:srgbClr val="000000"/>
                   </a:solidFill>
@@ -2064,7 +2070,7 @@
             </a:ln>
             <a:extLst>
               <a:ext uri="{91240B29-F687-4f45-9708-019B960494DF}">
-                <a14:hiddenLine xmlns:a14="http://schemas.microsoft.com/office/drawing/2010/main" xmlns="" w="9525">
+                <a14:hiddenLine xmlns="" xmlns:a14="http://schemas.microsoft.com/office/drawing/2010/main" w="9525">
                   <a:solidFill>
                     <a:srgbClr val="000000"/>
                   </a:solidFill>
@@ -2154,7 +2160,7 @@
             </a:ln>
             <a:extLst>
               <a:ext uri="{91240B29-F687-4f45-9708-019B960494DF}">
-                <a14:hiddenLine xmlns:a14="http://schemas.microsoft.com/office/drawing/2010/main" xmlns="" w="9525">
+                <a14:hiddenLine xmlns="" xmlns:a14="http://schemas.microsoft.com/office/drawing/2010/main" w="9525">
                   <a:solidFill>
                     <a:srgbClr val="000000"/>
                   </a:solidFill>
@@ -2222,7 +2228,7 @@
             </a:ln>
             <a:extLst>
               <a:ext uri="{91240B29-F687-4f45-9708-019B960494DF}">
-                <a14:hiddenLine xmlns:a14="http://schemas.microsoft.com/office/drawing/2010/main" xmlns="" w="9525">
+                <a14:hiddenLine xmlns="" xmlns:a14="http://schemas.microsoft.com/office/drawing/2010/main" w="9525">
                   <a:solidFill>
                     <a:srgbClr val="000000"/>
                   </a:solidFill>
@@ -2312,7 +2318,7 @@
             </a:ln>
             <a:extLst>
               <a:ext uri="{91240B29-F687-4f45-9708-019B960494DF}">
-                <a14:hiddenLine xmlns:a14="http://schemas.microsoft.com/office/drawing/2010/main" xmlns="" w="9525">
+                <a14:hiddenLine xmlns="" xmlns:a14="http://schemas.microsoft.com/office/drawing/2010/main" w="9525">
                   <a:solidFill>
                     <a:srgbClr val="000000"/>
                   </a:solidFill>
@@ -2346,7 +2352,7 @@
             </a:ln>
             <a:extLst>
               <a:ext uri="{91240B29-F687-4f45-9708-019B960494DF}">
-                <a14:hiddenLine xmlns:a14="http://schemas.microsoft.com/office/drawing/2010/main" xmlns="" w="9525">
+                <a14:hiddenLine xmlns="" xmlns:a14="http://schemas.microsoft.com/office/drawing/2010/main" w="9525">
                   <a:solidFill>
                     <a:srgbClr val="000000"/>
                   </a:solidFill>
@@ -2436,7 +2442,7 @@
             </a:ln>
             <a:extLst>
               <a:ext uri="{91240B29-F687-4f45-9708-019B960494DF}">
-                <a14:hiddenLine xmlns:a14="http://schemas.microsoft.com/office/drawing/2010/main" xmlns="" w="9525">
+                <a14:hiddenLine xmlns="" xmlns:a14="http://schemas.microsoft.com/office/drawing/2010/main" w="9525">
                   <a:solidFill>
                     <a:srgbClr val="000000"/>
                   </a:solidFill>
@@ -2498,7 +2504,7 @@
             </a:ln>
             <a:extLst>
               <a:ext uri="{91240B29-F687-4f45-9708-019B960494DF}">
-                <a14:hiddenLine xmlns:a14="http://schemas.microsoft.com/office/drawing/2010/main" xmlns="" w="9525">
+                <a14:hiddenLine xmlns="" xmlns:a14="http://schemas.microsoft.com/office/drawing/2010/main" w="9525">
                   <a:solidFill>
                     <a:srgbClr val="000000"/>
                   </a:solidFill>
@@ -2560,7 +2566,7 @@
             </a:ln>
             <a:extLst>
               <a:ext uri="{91240B29-F687-4f45-9708-019B960494DF}">
-                <a14:hiddenLine xmlns:a14="http://schemas.microsoft.com/office/drawing/2010/main" xmlns="" w="9525">
+                <a14:hiddenLine xmlns="" xmlns:a14="http://schemas.microsoft.com/office/drawing/2010/main" w="9525">
                   <a:solidFill>
                     <a:srgbClr val="000000"/>
                   </a:solidFill>
@@ -2650,7 +2656,7 @@
             </a:ln>
             <a:extLst>
               <a:ext uri="{91240B29-F687-4f45-9708-019B960494DF}">
-                <a14:hiddenLine xmlns:a14="http://schemas.microsoft.com/office/drawing/2010/main" xmlns="" w="9525">
+                <a14:hiddenLine xmlns="" xmlns:a14="http://schemas.microsoft.com/office/drawing/2010/main" w="9525">
                   <a:solidFill>
                     <a:srgbClr val="000000"/>
                   </a:solidFill>
@@ -2718,7 +2724,7 @@
             </a:ln>
             <a:extLst>
               <a:ext uri="{91240B29-F687-4f45-9708-019B960494DF}">
-                <a14:hiddenLine xmlns:a14="http://schemas.microsoft.com/office/drawing/2010/main" xmlns="" w="9525">
+                <a14:hiddenLine xmlns="" xmlns:a14="http://schemas.microsoft.com/office/drawing/2010/main" w="9525">
                   <a:solidFill>
                     <a:srgbClr val="000000"/>
                   </a:solidFill>
@@ -2780,7 +2786,7 @@
             </a:ln>
             <a:extLst>
               <a:ext uri="{91240B29-F687-4f45-9708-019B960494DF}">
-                <a14:hiddenLine xmlns:a14="http://schemas.microsoft.com/office/drawing/2010/main" xmlns="" w="9525">
+                <a14:hiddenLine xmlns="" xmlns:a14="http://schemas.microsoft.com/office/drawing/2010/main" w="9525">
                   <a:solidFill>
                     <a:srgbClr val="000000"/>
                   </a:solidFill>
@@ -2870,7 +2876,7 @@
             </a:ln>
             <a:extLst>
               <a:ext uri="{91240B29-F687-4f45-9708-019B960494DF}">
-                <a14:hiddenLine xmlns:a14="http://schemas.microsoft.com/office/drawing/2010/main" xmlns="" w="9525">
+                <a14:hiddenLine xmlns="" xmlns:a14="http://schemas.microsoft.com/office/drawing/2010/main" w="9525">
                   <a:solidFill>
                     <a:srgbClr val="000000"/>
                   </a:solidFill>
@@ -2932,7 +2938,7 @@
             </a:ln>
             <a:extLst>
               <a:ext uri="{91240B29-F687-4f45-9708-019B960494DF}">
-                <a14:hiddenLine xmlns:a14="http://schemas.microsoft.com/office/drawing/2010/main" xmlns="" w="9525">
+                <a14:hiddenLine xmlns="" xmlns:a14="http://schemas.microsoft.com/office/drawing/2010/main" w="9525">
                   <a:solidFill>
                     <a:srgbClr val="000000"/>
                   </a:solidFill>
@@ -3022,7 +3028,7 @@
             </a:ln>
             <a:extLst>
               <a:ext uri="{91240B29-F687-4f45-9708-019B960494DF}">
-                <a14:hiddenLine xmlns:a14="http://schemas.microsoft.com/office/drawing/2010/main" xmlns="" w="9525">
+                <a14:hiddenLine xmlns="" xmlns:a14="http://schemas.microsoft.com/office/drawing/2010/main" w="9525">
                   <a:solidFill>
                     <a:srgbClr val="000000"/>
                   </a:solidFill>
@@ -3084,7 +3090,7 @@
             </a:ln>
             <a:extLst>
               <a:ext uri="{91240B29-F687-4f45-9708-019B960494DF}">
-                <a14:hiddenLine xmlns:a14="http://schemas.microsoft.com/office/drawing/2010/main" xmlns="" w="9525">
+                <a14:hiddenLine xmlns="" xmlns:a14="http://schemas.microsoft.com/office/drawing/2010/main" w="9525">
                   <a:solidFill>
                     <a:srgbClr val="000000"/>
                   </a:solidFill>
@@ -3174,7 +3180,7 @@
             </a:ln>
             <a:extLst>
               <a:ext uri="{91240B29-F687-4f45-9708-019B960494DF}">
-                <a14:hiddenLine xmlns:a14="http://schemas.microsoft.com/office/drawing/2010/main" xmlns="" w="9525">
+                <a14:hiddenLine xmlns="" xmlns:a14="http://schemas.microsoft.com/office/drawing/2010/main" w="9525">
                   <a:solidFill>
                     <a:srgbClr val="000000"/>
                   </a:solidFill>
@@ -3208,7 +3214,7 @@
             </a:ln>
             <a:extLst>
               <a:ext uri="{91240B29-F687-4f45-9708-019B960494DF}">
-                <a14:hiddenLine xmlns:a14="http://schemas.microsoft.com/office/drawing/2010/main" xmlns="" w="9525">
+                <a14:hiddenLine xmlns="" xmlns:a14="http://schemas.microsoft.com/office/drawing/2010/main" w="9525">
                   <a:solidFill>
                     <a:srgbClr val="000000"/>
                   </a:solidFill>
@@ -3273,7 +3279,7 @@
             </a:ln>
             <a:extLst>
               <a:ext uri="{91240B29-F687-4f45-9708-019B960494DF}">
-                <a14:hiddenLine xmlns:a14="http://schemas.microsoft.com/office/drawing/2010/main" xmlns="" w="9525">
+                <a14:hiddenLine xmlns="" xmlns:a14="http://schemas.microsoft.com/office/drawing/2010/main" w="9525">
                   <a:solidFill>
                     <a:srgbClr val="000000"/>
                   </a:solidFill>
@@ -3363,7 +3369,7 @@
             </a:ln>
             <a:extLst>
               <a:ext uri="{91240B29-F687-4f45-9708-019B960494DF}">
-                <a14:hiddenLine xmlns:a14="http://schemas.microsoft.com/office/drawing/2010/main" xmlns="" w="9525">
+                <a14:hiddenLine xmlns="" xmlns:a14="http://schemas.microsoft.com/office/drawing/2010/main" w="9525">
                   <a:solidFill>
                     <a:srgbClr val="000000"/>
                   </a:solidFill>
@@ -3425,7 +3431,7 @@
             </a:ln>
             <a:extLst>
               <a:ext uri="{91240B29-F687-4f45-9708-019B960494DF}">
-                <a14:hiddenLine xmlns:a14="http://schemas.microsoft.com/office/drawing/2010/main" xmlns="" w="9525">
+                <a14:hiddenLine xmlns="" xmlns:a14="http://schemas.microsoft.com/office/drawing/2010/main" w="9525">
                   <a:solidFill>
                     <a:srgbClr val="000000"/>
                   </a:solidFill>
@@ -3515,7 +3521,7 @@
             </a:ln>
             <a:extLst>
               <a:ext uri="{91240B29-F687-4f45-9708-019B960494DF}">
-                <a14:hiddenLine xmlns:a14="http://schemas.microsoft.com/office/drawing/2010/main" xmlns="" w="9525">
+                <a14:hiddenLine xmlns="" xmlns:a14="http://schemas.microsoft.com/office/drawing/2010/main" w="9525">
                   <a:solidFill>
                     <a:srgbClr val="000000"/>
                   </a:solidFill>
@@ -3605,7 +3611,7 @@
             </a:ln>
             <a:extLst>
               <a:ext uri="{91240B29-F687-4f45-9708-019B960494DF}">
-                <a14:hiddenLine xmlns:a14="http://schemas.microsoft.com/office/drawing/2010/main" xmlns="" w="9525">
+                <a14:hiddenLine xmlns="" xmlns:a14="http://schemas.microsoft.com/office/drawing/2010/main" w="9525">
                   <a:solidFill>
                     <a:srgbClr val="000000"/>
                   </a:solidFill>
@@ -3670,7 +3676,7 @@
             </a:ln>
             <a:extLst>
               <a:ext uri="{91240B29-F687-4f45-9708-019B960494DF}">
-                <a14:hiddenLine xmlns:a14="http://schemas.microsoft.com/office/drawing/2010/main" xmlns="" w="9525">
+                <a14:hiddenLine xmlns="" xmlns:a14="http://schemas.microsoft.com/office/drawing/2010/main" w="9525">
                   <a:solidFill>
                     <a:srgbClr val="000000"/>
                   </a:solidFill>
@@ -3732,7 +3738,7 @@
             </a:ln>
             <a:extLst>
               <a:ext uri="{91240B29-F687-4f45-9708-019B960494DF}">
-                <a14:hiddenLine xmlns:a14="http://schemas.microsoft.com/office/drawing/2010/main" xmlns="" w="9525">
+                <a14:hiddenLine xmlns="" xmlns:a14="http://schemas.microsoft.com/office/drawing/2010/main" w="9525">
                   <a:solidFill>
                     <a:srgbClr val="000000"/>
                   </a:solidFill>
@@ -3822,7 +3828,7 @@
             </a:ln>
             <a:extLst>
               <a:ext uri="{91240B29-F687-4f45-9708-019B960494DF}">
-                <a14:hiddenLine xmlns:a14="http://schemas.microsoft.com/office/drawing/2010/main" xmlns="" w="9525">
+                <a14:hiddenLine xmlns="" xmlns:a14="http://schemas.microsoft.com/office/drawing/2010/main" w="9525">
                   <a:solidFill>
                     <a:srgbClr val="000000"/>
                   </a:solidFill>
@@ -3912,7 +3918,7 @@
             </a:ln>
             <a:extLst>
               <a:ext uri="{91240B29-F687-4f45-9708-019B960494DF}">
-                <a14:hiddenLine xmlns:a14="http://schemas.microsoft.com/office/drawing/2010/main" xmlns="" w="9525">
+                <a14:hiddenLine xmlns="" xmlns:a14="http://schemas.microsoft.com/office/drawing/2010/main" w="9525">
                   <a:solidFill>
                     <a:srgbClr val="000000"/>
                   </a:solidFill>
@@ -3974,7 +3980,7 @@
             </a:ln>
             <a:extLst>
               <a:ext uri="{91240B29-F687-4f45-9708-019B960494DF}">
-                <a14:hiddenLine xmlns:a14="http://schemas.microsoft.com/office/drawing/2010/main" xmlns="" w="9525">
+                <a14:hiddenLine xmlns="" xmlns:a14="http://schemas.microsoft.com/office/drawing/2010/main" w="9525">
                   <a:solidFill>
                     <a:srgbClr val="000000"/>
                   </a:solidFill>
@@ -4094,7 +4100,7 @@
             </a:ln>
             <a:extLst>
               <a:ext uri="{91240B29-F687-4f45-9708-019B960494DF}">
-                <a14:hiddenLine xmlns:a14="http://schemas.microsoft.com/office/drawing/2010/main" xmlns="" w="9525">
+                <a14:hiddenLine xmlns="" xmlns:a14="http://schemas.microsoft.com/office/drawing/2010/main" w="9525">
                   <a:solidFill>
                     <a:srgbClr val="000000"/>
                   </a:solidFill>
@@ -4162,7 +4168,7 @@
             </a:ln>
             <a:extLst>
               <a:ext uri="{91240B29-F687-4f45-9708-019B960494DF}">
-                <a14:hiddenLine xmlns:a14="http://schemas.microsoft.com/office/drawing/2010/main" xmlns="" w="9525">
+                <a14:hiddenLine xmlns="" xmlns:a14="http://schemas.microsoft.com/office/drawing/2010/main" w="9525">
                   <a:solidFill>
                     <a:srgbClr val="000000"/>
                   </a:solidFill>
@@ -4252,7 +4258,7 @@
             </a:ln>
             <a:extLst>
               <a:ext uri="{91240B29-F687-4f45-9708-019B960494DF}">
-                <a14:hiddenLine xmlns:a14="http://schemas.microsoft.com/office/drawing/2010/main" xmlns="" w="9525">
+                <a14:hiddenLine xmlns="" xmlns:a14="http://schemas.microsoft.com/office/drawing/2010/main" w="9525">
                   <a:solidFill>
                     <a:srgbClr val="000000"/>
                   </a:solidFill>
@@ -4392,7 +4398,7 @@
           <a:p>
             <a:fld id="{B265AB03-70D4-45B4-A6EE-915CBB3D6A3D}" type="datetimeFigureOut">
               <a:rPr kumimoji="1" lang="ja-JP" altLang="en-US" smtClean="0"/>
-              <a:t>2021/6/5</a:t>
+              <a:t>2022/5/29</a:t>
             </a:fld>
             <a:endParaRPr kumimoji="1" lang="ja-JP" altLang="en-US"/>
           </a:p>
@@ -4659,7 +4665,7 @@
           <a:p>
             <a:fld id="{B265AB03-70D4-45B4-A6EE-915CBB3D6A3D}" type="datetimeFigureOut">
               <a:rPr kumimoji="1" lang="ja-JP" altLang="en-US" smtClean="0"/>
-              <a:t>2021/6/5</a:t>
+              <a:t>2022/5/29</a:t>
             </a:fld>
             <a:endParaRPr kumimoji="1" lang="ja-JP" altLang="en-US"/>
           </a:p>
@@ -4855,7 +4861,7 @@
           <a:p>
             <a:fld id="{B265AB03-70D4-45B4-A6EE-915CBB3D6A3D}" type="datetimeFigureOut">
               <a:rPr kumimoji="1" lang="ja-JP" altLang="en-US" smtClean="0"/>
-              <a:t>2021/6/5</a:t>
+              <a:t>2022/5/29</a:t>
             </a:fld>
             <a:endParaRPr kumimoji="1" lang="ja-JP" altLang="en-US"/>
           </a:p>
@@ -5118,7 +5124,7 @@
           <a:p>
             <a:fld id="{B265AB03-70D4-45B4-A6EE-915CBB3D6A3D}" type="datetimeFigureOut">
               <a:rPr kumimoji="1" lang="ja-JP" altLang="en-US" smtClean="0"/>
-              <a:t>2021/6/5</a:t>
+              <a:t>2022/5/29</a:t>
             </a:fld>
             <a:endParaRPr kumimoji="1" lang="ja-JP" altLang="en-US"/>
           </a:p>
@@ -5552,7 +5558,7 @@
           <a:p>
             <a:fld id="{B265AB03-70D4-45B4-A6EE-915CBB3D6A3D}" type="datetimeFigureOut">
               <a:rPr kumimoji="1" lang="ja-JP" altLang="en-US" smtClean="0"/>
-              <a:t>2021/6/5</a:t>
+              <a:t>2022/5/29</a:t>
             </a:fld>
             <a:endParaRPr kumimoji="1" lang="ja-JP" altLang="en-US"/>
           </a:p>
@@ -6098,7 +6104,7 @@
           <a:p>
             <a:fld id="{B265AB03-70D4-45B4-A6EE-915CBB3D6A3D}" type="datetimeFigureOut">
               <a:rPr kumimoji="1" lang="ja-JP" altLang="en-US" smtClean="0"/>
-              <a:t>2021/6/5</a:t>
+              <a:t>2022/5/29</a:t>
             </a:fld>
             <a:endParaRPr kumimoji="1" lang="ja-JP" altLang="en-US"/>
           </a:p>
@@ -6818,7 +6824,7 @@
           <a:p>
             <a:fld id="{B265AB03-70D4-45B4-A6EE-915CBB3D6A3D}" type="datetimeFigureOut">
               <a:rPr kumimoji="1" lang="ja-JP" altLang="en-US" smtClean="0"/>
-              <a:t>2021/6/5</a:t>
+              <a:t>2022/5/29</a:t>
             </a:fld>
             <a:endParaRPr kumimoji="1" lang="ja-JP" altLang="en-US"/>
           </a:p>
@@ -7020,7 +7026,7 @@
           <a:p>
             <a:fld id="{B265AB03-70D4-45B4-A6EE-915CBB3D6A3D}" type="datetimeFigureOut">
               <a:rPr kumimoji="1" lang="ja-JP" altLang="en-US" smtClean="0"/>
-              <a:t>2021/6/5</a:t>
+              <a:t>2022/5/29</a:t>
             </a:fld>
             <a:endParaRPr kumimoji="1" lang="ja-JP" altLang="en-US"/>
           </a:p>
@@ -7232,7 +7238,7 @@
           <a:p>
             <a:fld id="{B265AB03-70D4-45B4-A6EE-915CBB3D6A3D}" type="datetimeFigureOut">
               <a:rPr kumimoji="1" lang="ja-JP" altLang="en-US" smtClean="0"/>
-              <a:t>2021/6/5</a:t>
+              <a:t>2022/5/29</a:t>
             </a:fld>
             <a:endParaRPr kumimoji="1" lang="ja-JP" altLang="en-US"/>
           </a:p>
@@ -7434,7 +7440,7 @@
           <a:p>
             <a:fld id="{B265AB03-70D4-45B4-A6EE-915CBB3D6A3D}" type="datetimeFigureOut">
               <a:rPr kumimoji="1" lang="ja-JP" altLang="en-US" smtClean="0"/>
-              <a:t>2021/6/5</a:t>
+              <a:t>2022/5/29</a:t>
             </a:fld>
             <a:endParaRPr kumimoji="1" lang="ja-JP" altLang="en-US"/>
           </a:p>
@@ -7684,7 +7690,7 @@
           <a:p>
             <a:fld id="{B265AB03-70D4-45B4-A6EE-915CBB3D6A3D}" type="datetimeFigureOut">
               <a:rPr kumimoji="1" lang="ja-JP" altLang="en-US" smtClean="0"/>
-              <a:t>2021/6/5</a:t>
+              <a:t>2022/5/29</a:t>
             </a:fld>
             <a:endParaRPr kumimoji="1" lang="ja-JP" altLang="en-US"/>
           </a:p>
@@ -7980,7 +7986,7 @@
           <a:p>
             <a:fld id="{B265AB03-70D4-45B4-A6EE-915CBB3D6A3D}" type="datetimeFigureOut">
               <a:rPr kumimoji="1" lang="ja-JP" altLang="en-US" smtClean="0"/>
-              <a:t>2021/6/5</a:t>
+              <a:t>2022/5/29</a:t>
             </a:fld>
             <a:endParaRPr kumimoji="1" lang="ja-JP" altLang="en-US"/>
           </a:p>
@@ -8425,7 +8431,7 @@
           <a:p>
             <a:fld id="{B265AB03-70D4-45B4-A6EE-915CBB3D6A3D}" type="datetimeFigureOut">
               <a:rPr kumimoji="1" lang="ja-JP" altLang="en-US" smtClean="0"/>
-              <a:t>2021/6/5</a:t>
+              <a:t>2022/5/29</a:t>
             </a:fld>
             <a:endParaRPr kumimoji="1" lang="ja-JP" altLang="en-US"/>
           </a:p>
@@ -8519,7 +8525,7 @@
           <a:lstStyle/>
           <a:p>
             <a:r>
-              <a:rPr lang="ja-JP" altLang="en-US"/>
+              <a:rPr lang="ja-JP" altLang="en-US" dirty="0"/>
               <a:t>マスター タイトルの書式設定</a:t>
             </a:r>
             <a:endParaRPr lang="en-US" dirty="0"/>
@@ -8543,7 +8549,7 @@
           <a:p>
             <a:fld id="{B265AB03-70D4-45B4-A6EE-915CBB3D6A3D}" type="datetimeFigureOut">
               <a:rPr kumimoji="1" lang="ja-JP" altLang="en-US" smtClean="0"/>
-              <a:t>2021/6/5</a:t>
+              <a:t>2022/5/29</a:t>
             </a:fld>
             <a:endParaRPr kumimoji="1" lang="ja-JP" altLang="en-US"/>
           </a:p>
@@ -8638,7 +8644,7 @@
           <a:p>
             <a:fld id="{B265AB03-70D4-45B4-A6EE-915CBB3D6A3D}" type="datetimeFigureOut">
               <a:rPr kumimoji="1" lang="ja-JP" altLang="en-US" smtClean="0"/>
-              <a:t>2021/6/5</a:t>
+              <a:t>2022/5/29</a:t>
             </a:fld>
             <a:endParaRPr kumimoji="1" lang="ja-JP" altLang="en-US"/>
           </a:p>
@@ -8919,7 +8925,7 @@
           <a:p>
             <a:fld id="{B265AB03-70D4-45B4-A6EE-915CBB3D6A3D}" type="datetimeFigureOut">
               <a:rPr kumimoji="1" lang="ja-JP" altLang="en-US" smtClean="0"/>
-              <a:t>2021/6/5</a:t>
+              <a:t>2022/5/29</a:t>
             </a:fld>
             <a:endParaRPr kumimoji="1" lang="ja-JP" altLang="en-US"/>
           </a:p>
@@ -9199,7 +9205,7 @@
           <a:p>
             <a:fld id="{B265AB03-70D4-45B4-A6EE-915CBB3D6A3D}" type="datetimeFigureOut">
               <a:rPr kumimoji="1" lang="ja-JP" altLang="en-US" smtClean="0"/>
-              <a:t>2021/6/5</a:t>
+              <a:t>2022/5/29</a:t>
             </a:fld>
             <a:endParaRPr kumimoji="1" lang="ja-JP" altLang="en-US"/>
           </a:p>
@@ -9322,7 +9328,7 @@
           <a:noFill/>
           <a:extLst>
             <a:ext uri="{909E8E84-426E-40dd-AFC4-6F175D3DCCD1}">
-              <a14:hiddenFill xmlns:a14="http://schemas.microsoft.com/office/drawing/2010/main" xmlns="">
+              <a14:hiddenFill xmlns="" xmlns:a14="http://schemas.microsoft.com/office/drawing/2010/main">
                 <a:solidFill>
                   <a:srgbClr val="FFFFFF"/>
                 </a:solidFill>
@@ -9396,7 +9402,7 @@
               </a:ln>
               <a:extLst>
                 <a:ext uri="{91240B29-F687-4f45-9708-019B960494DF}">
-                  <a14:hiddenLine xmlns:a14="http://schemas.microsoft.com/office/drawing/2010/main" xmlns="" w="9525">
+                  <a14:hiddenLine xmlns="" xmlns:a14="http://schemas.microsoft.com/office/drawing/2010/main" w="9525">
                     <a:solidFill>
                       <a:srgbClr val="000000"/>
                     </a:solidFill>
@@ -9486,7 +9492,7 @@
               </a:ln>
               <a:extLst>
                 <a:ext uri="{91240B29-F687-4f45-9708-019B960494DF}">
-                  <a14:hiddenLine xmlns:a14="http://schemas.microsoft.com/office/drawing/2010/main" xmlns="" w="9525">
+                  <a14:hiddenLine xmlns="" xmlns:a14="http://schemas.microsoft.com/office/drawing/2010/main" w="9525">
                     <a:solidFill>
                       <a:srgbClr val="000000"/>
                     </a:solidFill>
@@ -9576,7 +9582,7 @@
               </a:ln>
               <a:extLst>
                 <a:ext uri="{91240B29-F687-4f45-9708-019B960494DF}">
-                  <a14:hiddenLine xmlns:a14="http://schemas.microsoft.com/office/drawing/2010/main" xmlns="" w="9525">
+                  <a14:hiddenLine xmlns="" xmlns:a14="http://schemas.microsoft.com/office/drawing/2010/main" w="9525">
                     <a:solidFill>
                       <a:srgbClr val="000000"/>
                     </a:solidFill>
@@ -9638,7 +9644,7 @@
               </a:ln>
               <a:extLst>
                 <a:ext uri="{91240B29-F687-4f45-9708-019B960494DF}">
-                  <a14:hiddenLine xmlns:a14="http://schemas.microsoft.com/office/drawing/2010/main" xmlns="" w="9525">
+                  <a14:hiddenLine xmlns="" xmlns:a14="http://schemas.microsoft.com/office/drawing/2010/main" w="9525">
                     <a:solidFill>
                       <a:srgbClr val="000000"/>
                     </a:solidFill>
@@ -9728,7 +9734,7 @@
               </a:ln>
               <a:extLst>
                 <a:ext uri="{91240B29-F687-4f45-9708-019B960494DF}">
-                  <a14:hiddenLine xmlns:a14="http://schemas.microsoft.com/office/drawing/2010/main" xmlns="" w="9525">
+                  <a14:hiddenLine xmlns="" xmlns:a14="http://schemas.microsoft.com/office/drawing/2010/main" w="9525">
                     <a:solidFill>
                       <a:srgbClr val="000000"/>
                     </a:solidFill>
@@ -9790,7 +9796,7 @@
               </a:ln>
               <a:extLst>
                 <a:ext uri="{91240B29-F687-4f45-9708-019B960494DF}">
-                  <a14:hiddenLine xmlns:a14="http://schemas.microsoft.com/office/drawing/2010/main" xmlns="" w="9525">
+                  <a14:hiddenLine xmlns="" xmlns:a14="http://schemas.microsoft.com/office/drawing/2010/main" w="9525">
                     <a:solidFill>
                       <a:srgbClr val="000000"/>
                     </a:solidFill>
@@ -9852,7 +9858,7 @@
               </a:ln>
               <a:extLst>
                 <a:ext uri="{91240B29-F687-4f45-9708-019B960494DF}">
-                  <a14:hiddenLine xmlns:a14="http://schemas.microsoft.com/office/drawing/2010/main" xmlns="" w="9525">
+                  <a14:hiddenLine xmlns="" xmlns:a14="http://schemas.microsoft.com/office/drawing/2010/main" w="9525">
                     <a:solidFill>
                       <a:srgbClr val="000000"/>
                     </a:solidFill>
@@ -9942,7 +9948,7 @@
               </a:ln>
               <a:extLst>
                 <a:ext uri="{91240B29-F687-4f45-9708-019B960494DF}">
-                  <a14:hiddenLine xmlns:a14="http://schemas.microsoft.com/office/drawing/2010/main" xmlns="" w="9525">
+                  <a14:hiddenLine xmlns="" xmlns:a14="http://schemas.microsoft.com/office/drawing/2010/main" w="9525">
                     <a:solidFill>
                       <a:srgbClr val="000000"/>
                     </a:solidFill>
@@ -10032,7 +10038,7 @@
               </a:ln>
               <a:extLst>
                 <a:ext uri="{91240B29-F687-4f45-9708-019B960494DF}">
-                  <a14:hiddenLine xmlns:a14="http://schemas.microsoft.com/office/drawing/2010/main" xmlns="" w="9525">
+                  <a14:hiddenLine xmlns="" xmlns:a14="http://schemas.microsoft.com/office/drawing/2010/main" w="9525">
                     <a:solidFill>
                       <a:srgbClr val="000000"/>
                     </a:solidFill>
@@ -10094,7 +10100,7 @@
               </a:ln>
               <a:extLst>
                 <a:ext uri="{91240B29-F687-4f45-9708-019B960494DF}">
-                  <a14:hiddenLine xmlns:a14="http://schemas.microsoft.com/office/drawing/2010/main" xmlns="" w="9525">
+                  <a14:hiddenLine xmlns="" xmlns:a14="http://schemas.microsoft.com/office/drawing/2010/main" w="9525">
                     <a:solidFill>
                       <a:srgbClr val="000000"/>
                     </a:solidFill>
@@ -10204,7 +10210,7 @@
               </a:ln>
               <a:extLst>
                 <a:ext uri="{91240B29-F687-4f45-9708-019B960494DF}">
-                  <a14:hiddenLine xmlns:a14="http://schemas.microsoft.com/office/drawing/2010/main" xmlns="" w="9525">
+                  <a14:hiddenLine xmlns="" xmlns:a14="http://schemas.microsoft.com/office/drawing/2010/main" w="9525">
                     <a:solidFill>
                       <a:srgbClr val="000000"/>
                     </a:solidFill>
@@ -10288,7 +10294,7 @@
               </a:ln>
               <a:extLst>
                 <a:ext uri="{91240B29-F687-4f45-9708-019B960494DF}">
-                  <a14:hiddenLine xmlns:a14="http://schemas.microsoft.com/office/drawing/2010/main" xmlns="" w="9525">
+                  <a14:hiddenLine xmlns="" xmlns:a14="http://schemas.microsoft.com/office/drawing/2010/main" w="9525">
                     <a:solidFill>
                       <a:srgbClr val="000000"/>
                     </a:solidFill>
@@ -10350,7 +10356,7 @@
               </a:ln>
               <a:extLst>
                 <a:ext uri="{91240B29-F687-4f45-9708-019B960494DF}">
-                  <a14:hiddenLine xmlns:a14="http://schemas.microsoft.com/office/drawing/2010/main" xmlns="" w="9525">
+                  <a14:hiddenLine xmlns="" xmlns:a14="http://schemas.microsoft.com/office/drawing/2010/main" w="9525">
                     <a:solidFill>
                       <a:srgbClr val="000000"/>
                     </a:solidFill>
@@ -10412,7 +10418,7 @@
               </a:ln>
               <a:extLst>
                 <a:ext uri="{91240B29-F687-4f45-9708-019B960494DF}">
-                  <a14:hiddenLine xmlns:a14="http://schemas.microsoft.com/office/drawing/2010/main" xmlns="" w="9525">
+                  <a14:hiddenLine xmlns="" xmlns:a14="http://schemas.microsoft.com/office/drawing/2010/main" w="9525">
                     <a:solidFill>
                       <a:srgbClr val="000000"/>
                     </a:solidFill>
@@ -10502,7 +10508,7 @@
               </a:ln>
               <a:extLst>
                 <a:ext uri="{91240B29-F687-4f45-9708-019B960494DF}">
-                  <a14:hiddenLine xmlns:a14="http://schemas.microsoft.com/office/drawing/2010/main" xmlns="" w="9525">
+                  <a14:hiddenLine xmlns="" xmlns:a14="http://schemas.microsoft.com/office/drawing/2010/main" w="9525">
                     <a:solidFill>
                       <a:srgbClr val="000000"/>
                     </a:solidFill>
@@ -10536,7 +10542,7 @@
               </a:ln>
               <a:extLst>
                 <a:ext uri="{91240B29-F687-4f45-9708-019B960494DF}">
-                  <a14:hiddenLine xmlns:a14="http://schemas.microsoft.com/office/drawing/2010/main" xmlns="" w="9525">
+                  <a14:hiddenLine xmlns="" xmlns:a14="http://schemas.microsoft.com/office/drawing/2010/main" w="9525">
                     <a:solidFill>
                       <a:srgbClr val="000000"/>
                     </a:solidFill>
@@ -10601,7 +10607,7 @@
               </a:ln>
               <a:extLst>
                 <a:ext uri="{91240B29-F687-4f45-9708-019B960494DF}">
-                  <a14:hiddenLine xmlns:a14="http://schemas.microsoft.com/office/drawing/2010/main" xmlns="" w="9525">
+                  <a14:hiddenLine xmlns="" xmlns:a14="http://schemas.microsoft.com/office/drawing/2010/main" w="9525">
                     <a:solidFill>
                       <a:srgbClr val="000000"/>
                     </a:solidFill>
@@ -10691,7 +10697,7 @@
               </a:ln>
               <a:extLst>
                 <a:ext uri="{91240B29-F687-4f45-9708-019B960494DF}">
-                  <a14:hiddenLine xmlns:a14="http://schemas.microsoft.com/office/drawing/2010/main" xmlns="" w="9525">
+                  <a14:hiddenLine xmlns="" xmlns:a14="http://schemas.microsoft.com/office/drawing/2010/main" w="9525">
                     <a:solidFill>
                       <a:srgbClr val="000000"/>
                     </a:solidFill>
@@ -10753,7 +10759,7 @@
               </a:ln>
               <a:extLst>
                 <a:ext uri="{91240B29-F687-4f45-9708-019B960494DF}">
-                  <a14:hiddenLine xmlns:a14="http://schemas.microsoft.com/office/drawing/2010/main" xmlns="" w="9525">
+                  <a14:hiddenLine xmlns="" xmlns:a14="http://schemas.microsoft.com/office/drawing/2010/main" w="9525">
                     <a:solidFill>
                       <a:srgbClr val="000000"/>
                     </a:solidFill>
@@ -10843,7 +10849,7 @@
               </a:ln>
               <a:extLst>
                 <a:ext uri="{91240B29-F687-4f45-9708-019B960494DF}">
-                  <a14:hiddenLine xmlns:a14="http://schemas.microsoft.com/office/drawing/2010/main" xmlns="" w="9525">
+                  <a14:hiddenLine xmlns="" xmlns:a14="http://schemas.microsoft.com/office/drawing/2010/main" w="9525">
                     <a:solidFill>
                       <a:srgbClr val="000000"/>
                     </a:solidFill>
@@ -10908,7 +10914,7 @@
               </a:ln>
               <a:extLst>
                 <a:ext uri="{91240B29-F687-4f45-9708-019B960494DF}">
-                  <a14:hiddenLine xmlns:a14="http://schemas.microsoft.com/office/drawing/2010/main" xmlns="" w="9525">
+                  <a14:hiddenLine xmlns="" xmlns:a14="http://schemas.microsoft.com/office/drawing/2010/main" w="9525">
                     <a:solidFill>
                       <a:srgbClr val="000000"/>
                     </a:solidFill>
@@ -10970,7 +10976,7 @@
               </a:ln>
               <a:extLst>
                 <a:ext uri="{91240B29-F687-4f45-9708-019B960494DF}">
-                  <a14:hiddenLine xmlns:a14="http://schemas.microsoft.com/office/drawing/2010/main" xmlns="" w="9525">
+                  <a14:hiddenLine xmlns="" xmlns:a14="http://schemas.microsoft.com/office/drawing/2010/main" w="9525">
                     <a:solidFill>
                       <a:srgbClr val="000000"/>
                     </a:solidFill>
@@ -11060,7 +11066,7 @@
               </a:ln>
               <a:extLst>
                 <a:ext uri="{91240B29-F687-4f45-9708-019B960494DF}">
-                  <a14:hiddenLine xmlns:a14="http://schemas.microsoft.com/office/drawing/2010/main" xmlns="" w="9525">
+                  <a14:hiddenLine xmlns="" xmlns:a14="http://schemas.microsoft.com/office/drawing/2010/main" w="9525">
                     <a:solidFill>
                       <a:srgbClr val="000000"/>
                     </a:solidFill>
@@ -11150,7 +11156,7 @@
               </a:ln>
               <a:extLst>
                 <a:ext uri="{91240B29-F687-4f45-9708-019B960494DF}">
-                  <a14:hiddenLine xmlns:a14="http://schemas.microsoft.com/office/drawing/2010/main" xmlns="" w="9525">
+                  <a14:hiddenLine xmlns="" xmlns:a14="http://schemas.microsoft.com/office/drawing/2010/main" w="9525">
                     <a:solidFill>
                       <a:srgbClr val="000000"/>
                     </a:solidFill>
@@ -11215,7 +11221,7 @@
               </a:ln>
               <a:extLst>
                 <a:ext uri="{91240B29-F687-4f45-9708-019B960494DF}">
-                  <a14:hiddenLine xmlns:a14="http://schemas.microsoft.com/office/drawing/2010/main" xmlns="" w="9525">
+                  <a14:hiddenLine xmlns="" xmlns:a14="http://schemas.microsoft.com/office/drawing/2010/main" w="9525">
                     <a:solidFill>
                       <a:srgbClr val="000000"/>
                     </a:solidFill>
@@ -11335,7 +11341,7 @@
               </a:ln>
               <a:extLst>
                 <a:ext uri="{91240B29-F687-4f45-9708-019B960494DF}">
-                  <a14:hiddenLine xmlns:a14="http://schemas.microsoft.com/office/drawing/2010/main" xmlns="" w="9525">
+                  <a14:hiddenLine xmlns="" xmlns:a14="http://schemas.microsoft.com/office/drawing/2010/main" w="9525">
                     <a:solidFill>
                       <a:srgbClr val="000000"/>
                     </a:solidFill>
@@ -11416,7 +11422,7 @@
               </a:ln>
               <a:extLst>
                 <a:ext uri="{91240B29-F687-4f45-9708-019B960494DF}">
-                  <a14:hiddenLine xmlns:a14="http://schemas.microsoft.com/office/drawing/2010/main" xmlns="" w="9525">
+                  <a14:hiddenLine xmlns="" xmlns:a14="http://schemas.microsoft.com/office/drawing/2010/main" w="9525">
                     <a:solidFill>
                       <a:srgbClr val="000000"/>
                     </a:solidFill>
@@ -11531,7 +11537,7 @@
               </a:ln>
               <a:extLst>
                 <a:ext uri="{91240B29-F687-4f45-9708-019B960494DF}">
-                  <a14:hiddenLine xmlns:a14="http://schemas.microsoft.com/office/drawing/2010/main" xmlns="" w="9525">
+                  <a14:hiddenLine xmlns="" xmlns:a14="http://schemas.microsoft.com/office/drawing/2010/main" w="9525">
                     <a:solidFill>
                       <a:srgbClr val="000000"/>
                     </a:solidFill>
@@ -11621,7 +11627,7 @@
               </a:ln>
               <a:extLst>
                 <a:ext uri="{91240B29-F687-4f45-9708-019B960494DF}">
-                  <a14:hiddenLine xmlns:a14="http://schemas.microsoft.com/office/drawing/2010/main" xmlns="" w="9525">
+                  <a14:hiddenLine xmlns="" xmlns:a14="http://schemas.microsoft.com/office/drawing/2010/main" w="9525">
                     <a:solidFill>
                       <a:srgbClr val="000000"/>
                     </a:solidFill>
@@ -11686,7 +11692,7 @@
               </a:ln>
               <a:extLst>
                 <a:ext uri="{91240B29-F687-4f45-9708-019B960494DF}">
-                  <a14:hiddenLine xmlns:a14="http://schemas.microsoft.com/office/drawing/2010/main" xmlns="" w="9525">
+                  <a14:hiddenLine xmlns="" xmlns:a14="http://schemas.microsoft.com/office/drawing/2010/main" w="9525">
                     <a:solidFill>
                       <a:srgbClr val="000000"/>
                     </a:solidFill>
@@ -11776,7 +11782,7 @@
               </a:ln>
               <a:extLst>
                 <a:ext uri="{91240B29-F687-4f45-9708-019B960494DF}">
-                  <a14:hiddenLine xmlns:a14="http://schemas.microsoft.com/office/drawing/2010/main" xmlns="" w="9525">
+                  <a14:hiddenLine xmlns="" xmlns:a14="http://schemas.microsoft.com/office/drawing/2010/main" w="9525">
                     <a:solidFill>
                       <a:srgbClr val="000000"/>
                     </a:solidFill>
@@ -11844,7 +11850,7 @@
               </a:ln>
               <a:extLst>
                 <a:ext uri="{91240B29-F687-4f45-9708-019B960494DF}">
-                  <a14:hiddenLine xmlns:a14="http://schemas.microsoft.com/office/drawing/2010/main" xmlns="" w="9525">
+                  <a14:hiddenLine xmlns="" xmlns:a14="http://schemas.microsoft.com/office/drawing/2010/main" w="9525">
                     <a:solidFill>
                       <a:srgbClr val="000000"/>
                     </a:solidFill>
@@ -11934,7 +11940,7 @@
               </a:ln>
               <a:extLst>
                 <a:ext uri="{91240B29-F687-4f45-9708-019B960494DF}">
-                  <a14:hiddenLine xmlns:a14="http://schemas.microsoft.com/office/drawing/2010/main" xmlns="" w="9525">
+                  <a14:hiddenLine xmlns="" xmlns:a14="http://schemas.microsoft.com/office/drawing/2010/main" w="9525">
                     <a:solidFill>
                       <a:srgbClr val="000000"/>
                     </a:solidFill>
@@ -12002,7 +12008,7 @@
               </a:ln>
               <a:extLst>
                 <a:ext uri="{91240B29-F687-4f45-9708-019B960494DF}">
-                  <a14:hiddenLine xmlns:a14="http://schemas.microsoft.com/office/drawing/2010/main" xmlns="" w="9525">
+                  <a14:hiddenLine xmlns="" xmlns:a14="http://schemas.microsoft.com/office/drawing/2010/main" w="9525">
                     <a:solidFill>
                       <a:srgbClr val="000000"/>
                     </a:solidFill>
@@ -12092,7 +12098,7 @@
               </a:ln>
               <a:extLst>
                 <a:ext uri="{91240B29-F687-4f45-9708-019B960494DF}">
-                  <a14:hiddenLine xmlns:a14="http://schemas.microsoft.com/office/drawing/2010/main" xmlns="" w="9525">
+                  <a14:hiddenLine xmlns="" xmlns:a14="http://schemas.microsoft.com/office/drawing/2010/main" w="9525">
                     <a:solidFill>
                       <a:srgbClr val="000000"/>
                     </a:solidFill>
@@ -12126,7 +12132,7 @@
               </a:ln>
               <a:extLst>
                 <a:ext uri="{91240B29-F687-4f45-9708-019B960494DF}">
-                  <a14:hiddenLine xmlns:a14="http://schemas.microsoft.com/office/drawing/2010/main" xmlns="" w="9525">
+                  <a14:hiddenLine xmlns="" xmlns:a14="http://schemas.microsoft.com/office/drawing/2010/main" w="9525">
                     <a:solidFill>
                       <a:srgbClr val="000000"/>
                     </a:solidFill>
@@ -12298,7 +12304,7 @@
           <a:p>
             <a:fld id="{B265AB03-70D4-45B4-A6EE-915CBB3D6A3D}" type="datetimeFigureOut">
               <a:rPr kumimoji="1" lang="ja-JP" altLang="en-US" smtClean="0"/>
-              <a:t>2021/6/5</a:t>
+              <a:t>2022/5/29</a:t>
             </a:fld>
             <a:endParaRPr kumimoji="1" lang="ja-JP" altLang="en-US"/>
           </a:p>
@@ -15498,13 +15504,13 @@
         </p:nvSpPr>
         <p:spPr>
           <a:xfrm>
-            <a:off x="7013401" y="5661073"/>
+            <a:off x="434800" y="5505000"/>
             <a:ext cx="4007024" cy="1080611"/>
           </a:xfrm>
           <a:prstGeom prst="wedgeEllipseCallout">
             <a:avLst>
-              <a:gd name="adj1" fmla="val -56810"/>
-              <a:gd name="adj2" fmla="val -20004"/>
+              <a:gd name="adj1" fmla="val 68911"/>
+              <a:gd name="adj2" fmla="val -8251"/>
             </a:avLst>
           </a:prstGeom>
           <a:solidFill>
@@ -15565,13 +15571,13 @@
         </p:nvSpPr>
         <p:spPr>
           <a:xfrm>
-            <a:off x="8466219" y="3584700"/>
-            <a:ext cx="3692700" cy="1932174"/>
+            <a:off x="7664700" y="5409171"/>
+            <a:ext cx="3799167" cy="1272267"/>
           </a:xfrm>
           <a:prstGeom prst="wedgeEllipseCallout">
             <a:avLst>
-              <a:gd name="adj1" fmla="val -43398"/>
-              <a:gd name="adj2" fmla="val -46884"/>
+              <a:gd name="adj1" fmla="val -76307"/>
+              <a:gd name="adj2" fmla="val 2322"/>
             </a:avLst>
           </a:prstGeom>
           <a:solidFill>
@@ -15603,14 +15609,6 @@
           <a:p>
             <a:pPr algn="ctr"/>
             <a:r>
-              <a:rPr kumimoji="1" lang="en-US" altLang="ja-JP" dirty="0"/>
-              <a:t>Push</a:t>
-            </a:r>
-            <a:r>
-              <a:rPr kumimoji="1" lang="ja-JP" altLang="en-US" dirty="0"/>
-              <a:t>は</a:t>
-            </a:r>
-            <a:r>
               <a:rPr lang="en-US" altLang="ja-JP" dirty="0"/>
               <a:t>C</a:t>
             </a:r>
@@ -15620,23 +15618,7 @@
             </a:r>
             <a:r>
               <a:rPr kumimoji="1" lang="ja-JP" altLang="en-US" dirty="0"/>
-              <a:t>された内容をステージングして送る。</a:t>
-            </a:r>
-            <a:r>
-              <a:rPr lang="en-US" altLang="ja-JP" dirty="0"/>
-              <a:t>Commit</a:t>
-            </a:r>
-            <a:r>
-              <a:rPr lang="ja-JP" altLang="en-US" dirty="0"/>
-              <a:t>されていなかったり、ステージングされていないと</a:t>
-            </a:r>
-            <a:r>
-              <a:rPr lang="en-US" altLang="ja-JP" dirty="0"/>
-              <a:t>Push</a:t>
-            </a:r>
-            <a:r>
-              <a:rPr lang="ja-JP" altLang="en-US" dirty="0"/>
-              <a:t>できないので注意</a:t>
+              <a:t>するためには変更したファイルをステージングしなければならない</a:t>
             </a:r>
             <a:endParaRPr kumimoji="1" lang="en-US" altLang="ja-JP" dirty="0"/>
           </a:p>
@@ -15656,13 +15638,13 @@
         </p:nvSpPr>
         <p:spPr>
           <a:xfrm>
-            <a:off x="756558" y="5516875"/>
+            <a:off x="130136" y="4088336"/>
             <a:ext cx="4184405" cy="1224809"/>
           </a:xfrm>
           <a:prstGeom prst="wedgeEllipseCallout">
             <a:avLst>
-              <a:gd name="adj1" fmla="val 59473"/>
-              <a:gd name="adj2" fmla="val -11606"/>
+              <a:gd name="adj1" fmla="val 79707"/>
+              <a:gd name="adj2" fmla="val 90701"/>
             </a:avLst>
           </a:prstGeom>
           <a:solidFill>
@@ -15703,7 +15685,7 @@
             </a:r>
             <a:r>
               <a:rPr lang="ja-JP" altLang="en-US" dirty="0"/>
-              <a:t>どこを変えたり追加したのかを詳細にコメントしておく</a:t>
+              <a:t>どこを変えたり追加したのかをコメントしておく</a:t>
             </a:r>
             <a:endParaRPr kumimoji="1" lang="ja-JP" altLang="en-US" dirty="0"/>
           </a:p>
@@ -15780,6 +15762,1734 @@
     <p:extLst>
       <p:ext uri="{BB962C8B-B14F-4D97-AF65-F5344CB8AC3E}">
         <p14:creationId xmlns:p14="http://schemas.microsoft.com/office/powerpoint/2010/main" val="1816392268"/>
+      </p:ext>
+    </p:extLst>
+  </p:cSld>
+  <p:clrMapOvr>
+    <a:masterClrMapping/>
+  </p:clrMapOvr>
+</p:sld>
+</file>
+
+<file path=ppt/slides/slide5.xml><?xml version="1.0" encoding="utf-8"?>
+<p:sld xmlns:a="http://schemas.openxmlformats.org/drawingml/2006/main" xmlns:r="http://schemas.openxmlformats.org/officeDocument/2006/relationships" xmlns:p="http://schemas.openxmlformats.org/presentationml/2006/main">
+  <p:cSld>
+    <p:spTree>
+      <p:nvGrpSpPr>
+        <p:cNvPr id="1" name=""/>
+        <p:cNvGrpSpPr/>
+        <p:nvPr/>
+      </p:nvGrpSpPr>
+      <p:grpSpPr>
+        <a:xfrm>
+          <a:off x="0" y="0"/>
+          <a:ext cx="0" cy="0"/>
+          <a:chOff x="0" y="0"/>
+          <a:chExt cx="0" cy="0"/>
+        </a:xfrm>
+      </p:grpSpPr>
+      <p:sp>
+        <p:nvSpPr>
+          <p:cNvPr id="2" name="タイトル 1">
+            <a:extLst>
+              <a:ext uri="{FF2B5EF4-FFF2-40B4-BE49-F238E27FC236}">
+                <a16:creationId xmlns:a16="http://schemas.microsoft.com/office/drawing/2014/main" id="{1F069C6A-EC26-3F4E-B2CD-ACE657B43DB0}"/>
+              </a:ext>
+            </a:extLst>
+          </p:cNvPr>
+          <p:cNvSpPr>
+            <a:spLocks noGrp="1"/>
+          </p:cNvSpPr>
+          <p:nvPr>
+            <p:ph type="title"/>
+          </p:nvPr>
+        </p:nvSpPr>
+        <p:spPr>
+          <a:xfrm>
+            <a:off x="1141413" y="618518"/>
+            <a:ext cx="9905998" cy="448281"/>
+          </a:xfrm>
+        </p:spPr>
+        <p:txBody>
+          <a:bodyPr>
+            <a:normAutofit fontScale="90000"/>
+          </a:bodyPr>
+          <a:lstStyle/>
+          <a:p>
+            <a:pPr algn="ctr"/>
+            <a:r>
+              <a:rPr kumimoji="1" lang="en-US" altLang="ja-JP" cap="none" dirty="0"/>
+              <a:t>Git</a:t>
+            </a:r>
+            <a:r>
+              <a:rPr kumimoji="1" lang="ja-JP" altLang="en-US" cap="none" dirty="0"/>
+              <a:t>オートマトン</a:t>
+            </a:r>
+          </a:p>
+        </p:txBody>
+      </p:sp>
+      <p:grpSp>
+        <p:nvGrpSpPr>
+          <p:cNvPr id="71" name="グループ化 70">
+            <a:extLst>
+              <a:ext uri="{FF2B5EF4-FFF2-40B4-BE49-F238E27FC236}">
+                <a16:creationId xmlns:a16="http://schemas.microsoft.com/office/drawing/2014/main" id="{7D79F505-DDB9-F6ED-FB3E-604AFAA3C7FB}"/>
+              </a:ext>
+            </a:extLst>
+          </p:cNvPr>
+          <p:cNvGrpSpPr/>
+          <p:nvPr/>
+        </p:nvGrpSpPr>
+        <p:grpSpPr>
+          <a:xfrm>
+            <a:off x="673401" y="2389089"/>
+            <a:ext cx="810686" cy="891978"/>
+            <a:chOff x="1692801" y="1585265"/>
+            <a:chExt cx="810686" cy="891978"/>
+          </a:xfrm>
+        </p:grpSpPr>
+        <p:sp>
+          <p:nvSpPr>
+            <p:cNvPr id="6" name="楕円 5">
+              <a:extLst>
+                <a:ext uri="{FF2B5EF4-FFF2-40B4-BE49-F238E27FC236}">
+                  <a16:creationId xmlns:a16="http://schemas.microsoft.com/office/drawing/2014/main" id="{7DEFA02F-7F8F-94F6-9FDD-584AD2F534F8}"/>
+                </a:ext>
+              </a:extLst>
+            </p:cNvPr>
+            <p:cNvSpPr/>
+            <p:nvPr/>
+          </p:nvSpPr>
+          <p:spPr>
+            <a:xfrm>
+              <a:off x="1806044" y="1585265"/>
+              <a:ext cx="584201" cy="584201"/>
+            </a:xfrm>
+            <a:prstGeom prst="ellipse">
+              <a:avLst/>
+            </a:prstGeom>
+          </p:spPr>
+          <p:style>
+            <a:lnRef idx="2">
+              <a:schemeClr val="accent1">
+                <a:shade val="50000"/>
+              </a:schemeClr>
+            </a:lnRef>
+            <a:fillRef idx="1">
+              <a:schemeClr val="accent1"/>
+            </a:fillRef>
+            <a:effectRef idx="0">
+              <a:schemeClr val="accent1"/>
+            </a:effectRef>
+            <a:fontRef idx="minor">
+              <a:schemeClr val="lt1"/>
+            </a:fontRef>
+          </p:style>
+          <p:txBody>
+            <a:bodyPr rtlCol="0" anchor="ctr"/>
+            <a:lstStyle/>
+            <a:p>
+              <a:pPr algn="ctr"/>
+              <a:endParaRPr kumimoji="1" lang="ja-JP" altLang="en-US" dirty="0"/>
+            </a:p>
+          </p:txBody>
+        </p:sp>
+        <p:sp>
+          <p:nvSpPr>
+            <p:cNvPr id="15" name="テキスト ボックス 14">
+              <a:extLst>
+                <a:ext uri="{FF2B5EF4-FFF2-40B4-BE49-F238E27FC236}">
+                  <a16:creationId xmlns:a16="http://schemas.microsoft.com/office/drawing/2014/main" id="{226692CF-8CFD-F74D-EDF2-457094561D3A}"/>
+                </a:ext>
+              </a:extLst>
+            </p:cNvPr>
+            <p:cNvSpPr txBox="1"/>
+            <p:nvPr/>
+          </p:nvSpPr>
+          <p:spPr>
+            <a:xfrm>
+              <a:off x="1692801" y="2169466"/>
+              <a:ext cx="810686" cy="307777"/>
+            </a:xfrm>
+            <a:prstGeom prst="rect">
+              <a:avLst/>
+            </a:prstGeom>
+            <a:noFill/>
+          </p:spPr>
+          <p:txBody>
+            <a:bodyPr wrap="square" rtlCol="0">
+              <a:spAutoFit/>
+            </a:bodyPr>
+            <a:lstStyle/>
+            <a:p>
+              <a:pPr algn="ctr"/>
+              <a:r>
+                <a:rPr kumimoji="1" lang="ja-JP" altLang="en-US" sz="1400" dirty="0"/>
+                <a:t>クローン</a:t>
+              </a:r>
+              <a:endParaRPr kumimoji="1" lang="en-US" altLang="ja-JP" sz="1400" dirty="0"/>
+            </a:p>
+          </p:txBody>
+        </p:sp>
+      </p:grpSp>
+      <p:grpSp>
+        <p:nvGrpSpPr>
+          <p:cNvPr id="74" name="グループ化 73">
+            <a:extLst>
+              <a:ext uri="{FF2B5EF4-FFF2-40B4-BE49-F238E27FC236}">
+                <a16:creationId xmlns:a16="http://schemas.microsoft.com/office/drawing/2014/main" id="{B4852328-A02E-73AF-F76D-7FF7D7DD765A}"/>
+              </a:ext>
+            </a:extLst>
+          </p:cNvPr>
+          <p:cNvGrpSpPr/>
+          <p:nvPr/>
+        </p:nvGrpSpPr>
+        <p:grpSpPr>
+          <a:xfrm>
+            <a:off x="4462846" y="4674156"/>
+            <a:ext cx="1480613" cy="891978"/>
+            <a:chOff x="7782981" y="4661557"/>
+            <a:chExt cx="1480613" cy="891978"/>
+          </a:xfrm>
+        </p:grpSpPr>
+        <p:sp>
+          <p:nvSpPr>
+            <p:cNvPr id="7" name="楕円 6">
+              <a:extLst>
+                <a:ext uri="{FF2B5EF4-FFF2-40B4-BE49-F238E27FC236}">
+                  <a16:creationId xmlns:a16="http://schemas.microsoft.com/office/drawing/2014/main" id="{880E3E45-2D10-DCA6-FA34-C0C0325C7540}"/>
+                </a:ext>
+              </a:extLst>
+            </p:cNvPr>
+            <p:cNvSpPr/>
+            <p:nvPr/>
+          </p:nvSpPr>
+          <p:spPr>
+            <a:xfrm>
+              <a:off x="8228006" y="4661557"/>
+              <a:ext cx="584201" cy="584201"/>
+            </a:xfrm>
+            <a:prstGeom prst="ellipse">
+              <a:avLst/>
+            </a:prstGeom>
+          </p:spPr>
+          <p:style>
+            <a:lnRef idx="2">
+              <a:schemeClr val="accent1">
+                <a:shade val="50000"/>
+              </a:schemeClr>
+            </a:lnRef>
+            <a:fillRef idx="1">
+              <a:schemeClr val="accent1"/>
+            </a:fillRef>
+            <a:effectRef idx="0">
+              <a:schemeClr val="accent1"/>
+            </a:effectRef>
+            <a:fontRef idx="minor">
+              <a:schemeClr val="lt1"/>
+            </a:fontRef>
+          </p:style>
+          <p:txBody>
+            <a:bodyPr rtlCol="0" anchor="ctr"/>
+            <a:lstStyle/>
+            <a:p>
+              <a:pPr algn="ctr"/>
+              <a:endParaRPr kumimoji="1" lang="ja-JP" altLang="en-US" dirty="0"/>
+            </a:p>
+          </p:txBody>
+        </p:sp>
+        <p:sp>
+          <p:nvSpPr>
+            <p:cNvPr id="48" name="テキスト ボックス 47">
+              <a:extLst>
+                <a:ext uri="{FF2B5EF4-FFF2-40B4-BE49-F238E27FC236}">
+                  <a16:creationId xmlns:a16="http://schemas.microsoft.com/office/drawing/2014/main" id="{C22DFEFC-202B-745B-F561-EC1A79605948}"/>
+                </a:ext>
+              </a:extLst>
+            </p:cNvPr>
+            <p:cNvSpPr txBox="1"/>
+            <p:nvPr/>
+          </p:nvSpPr>
+          <p:spPr>
+            <a:xfrm>
+              <a:off x="7782981" y="5245758"/>
+              <a:ext cx="1480613" cy="307777"/>
+            </a:xfrm>
+            <a:prstGeom prst="rect">
+              <a:avLst/>
+            </a:prstGeom>
+            <a:noFill/>
+          </p:spPr>
+          <p:txBody>
+            <a:bodyPr wrap="square" rtlCol="0">
+              <a:spAutoFit/>
+            </a:bodyPr>
+            <a:lstStyle/>
+            <a:p>
+              <a:pPr algn="ctr"/>
+              <a:r>
+                <a:rPr kumimoji="1" lang="ja-JP" altLang="en-US" sz="1400" dirty="0"/>
+                <a:t>ステージ</a:t>
+              </a:r>
+              <a:endParaRPr kumimoji="1" lang="en-US" altLang="ja-JP" sz="1400" dirty="0"/>
+            </a:p>
+          </p:txBody>
+        </p:sp>
+      </p:grpSp>
+      <p:grpSp>
+        <p:nvGrpSpPr>
+          <p:cNvPr id="70" name="グループ化 69">
+            <a:extLst>
+              <a:ext uri="{FF2B5EF4-FFF2-40B4-BE49-F238E27FC236}">
+                <a16:creationId xmlns:a16="http://schemas.microsoft.com/office/drawing/2014/main" id="{BC910952-39C1-2356-39A6-7B76982322A0}"/>
+              </a:ext>
+            </a:extLst>
+          </p:cNvPr>
+          <p:cNvGrpSpPr/>
+          <p:nvPr/>
+        </p:nvGrpSpPr>
+        <p:grpSpPr>
+          <a:xfrm>
+            <a:off x="5707672" y="1346199"/>
+            <a:ext cx="584202" cy="891978"/>
+            <a:chOff x="3233738" y="3046511"/>
+            <a:chExt cx="584202" cy="891978"/>
+          </a:xfrm>
+        </p:grpSpPr>
+        <p:sp>
+          <p:nvSpPr>
+            <p:cNvPr id="8" name="楕円 7">
+              <a:extLst>
+                <a:ext uri="{FF2B5EF4-FFF2-40B4-BE49-F238E27FC236}">
+                  <a16:creationId xmlns:a16="http://schemas.microsoft.com/office/drawing/2014/main" id="{10EC8270-075E-B310-D2D2-DD9EAA00D310}"/>
+                </a:ext>
+              </a:extLst>
+            </p:cNvPr>
+            <p:cNvSpPr/>
+            <p:nvPr/>
+          </p:nvSpPr>
+          <p:spPr>
+            <a:xfrm>
+              <a:off x="3233738" y="3046511"/>
+              <a:ext cx="584201" cy="584201"/>
+            </a:xfrm>
+            <a:prstGeom prst="ellipse">
+              <a:avLst/>
+            </a:prstGeom>
+          </p:spPr>
+          <p:style>
+            <a:lnRef idx="2">
+              <a:schemeClr val="accent1">
+                <a:shade val="50000"/>
+              </a:schemeClr>
+            </a:lnRef>
+            <a:fillRef idx="1">
+              <a:schemeClr val="accent1"/>
+            </a:fillRef>
+            <a:effectRef idx="0">
+              <a:schemeClr val="accent1"/>
+            </a:effectRef>
+            <a:fontRef idx="minor">
+              <a:schemeClr val="lt1"/>
+            </a:fontRef>
+          </p:style>
+          <p:txBody>
+            <a:bodyPr rtlCol="0" anchor="ctr"/>
+            <a:lstStyle/>
+            <a:p>
+              <a:pPr algn="ctr"/>
+              <a:endParaRPr kumimoji="1" lang="ja-JP" altLang="en-US" dirty="0"/>
+            </a:p>
+          </p:txBody>
+        </p:sp>
+        <p:sp>
+          <p:nvSpPr>
+            <p:cNvPr id="49" name="テキスト ボックス 48">
+              <a:extLst>
+                <a:ext uri="{FF2B5EF4-FFF2-40B4-BE49-F238E27FC236}">
+                  <a16:creationId xmlns:a16="http://schemas.microsoft.com/office/drawing/2014/main" id="{E515A392-0EF0-38A5-1354-2576FA3FECF7}"/>
+                </a:ext>
+              </a:extLst>
+            </p:cNvPr>
+            <p:cNvSpPr txBox="1"/>
+            <p:nvPr/>
+          </p:nvSpPr>
+          <p:spPr>
+            <a:xfrm>
+              <a:off x="3233738" y="3630712"/>
+              <a:ext cx="584202" cy="307777"/>
+            </a:xfrm>
+            <a:prstGeom prst="rect">
+              <a:avLst/>
+            </a:prstGeom>
+            <a:noFill/>
+          </p:spPr>
+          <p:txBody>
+            <a:bodyPr wrap="square" rtlCol="0">
+              <a:spAutoFit/>
+            </a:bodyPr>
+            <a:lstStyle/>
+            <a:p>
+              <a:pPr algn="ctr"/>
+              <a:r>
+                <a:rPr kumimoji="1" lang="ja-JP" altLang="en-US" sz="1400" dirty="0"/>
+                <a:t>プル</a:t>
+              </a:r>
+              <a:endParaRPr kumimoji="1" lang="en-US" altLang="ja-JP" sz="1400" dirty="0"/>
+            </a:p>
+          </p:txBody>
+        </p:sp>
+      </p:grpSp>
+      <p:grpSp>
+        <p:nvGrpSpPr>
+          <p:cNvPr id="73" name="グループ化 72">
+            <a:extLst>
+              <a:ext uri="{FF2B5EF4-FFF2-40B4-BE49-F238E27FC236}">
+                <a16:creationId xmlns:a16="http://schemas.microsoft.com/office/drawing/2014/main" id="{2F24B519-2B4C-055C-1465-DE71BA1D15AF}"/>
+              </a:ext>
+            </a:extLst>
+          </p:cNvPr>
+          <p:cNvGrpSpPr/>
+          <p:nvPr/>
+        </p:nvGrpSpPr>
+        <p:grpSpPr>
+          <a:xfrm>
+            <a:off x="6388484" y="4674156"/>
+            <a:ext cx="810686" cy="891978"/>
+            <a:chOff x="5093757" y="3802907"/>
+            <a:chExt cx="810686" cy="891978"/>
+          </a:xfrm>
+        </p:grpSpPr>
+        <p:sp>
+          <p:nvSpPr>
+            <p:cNvPr id="4" name="楕円 3">
+              <a:extLst>
+                <a:ext uri="{FF2B5EF4-FFF2-40B4-BE49-F238E27FC236}">
+                  <a16:creationId xmlns:a16="http://schemas.microsoft.com/office/drawing/2014/main" id="{3205C024-9FC3-87D7-4D86-02E14348C327}"/>
+                </a:ext>
+              </a:extLst>
+            </p:cNvPr>
+            <p:cNvSpPr/>
+            <p:nvPr/>
+          </p:nvSpPr>
+          <p:spPr>
+            <a:xfrm>
+              <a:off x="5204354" y="3802907"/>
+              <a:ext cx="584201" cy="584201"/>
+            </a:xfrm>
+            <a:prstGeom prst="ellipse">
+              <a:avLst/>
+            </a:prstGeom>
+          </p:spPr>
+          <p:style>
+            <a:lnRef idx="2">
+              <a:schemeClr val="accent1">
+                <a:shade val="50000"/>
+              </a:schemeClr>
+            </a:lnRef>
+            <a:fillRef idx="1">
+              <a:schemeClr val="accent1"/>
+            </a:fillRef>
+            <a:effectRef idx="0">
+              <a:schemeClr val="accent1"/>
+            </a:effectRef>
+            <a:fontRef idx="minor">
+              <a:schemeClr val="lt1"/>
+            </a:fontRef>
+          </p:style>
+          <p:txBody>
+            <a:bodyPr rtlCol="0" anchor="ctr"/>
+            <a:lstStyle/>
+            <a:p>
+              <a:pPr algn="ctr"/>
+              <a:endParaRPr kumimoji="1" lang="ja-JP" altLang="en-US" dirty="0"/>
+            </a:p>
+          </p:txBody>
+        </p:sp>
+        <p:sp>
+          <p:nvSpPr>
+            <p:cNvPr id="72" name="テキスト ボックス 71">
+              <a:extLst>
+                <a:ext uri="{FF2B5EF4-FFF2-40B4-BE49-F238E27FC236}">
+                  <a16:creationId xmlns:a16="http://schemas.microsoft.com/office/drawing/2014/main" id="{51951982-2552-C4CE-E7F5-4877972C16D0}"/>
+                </a:ext>
+              </a:extLst>
+            </p:cNvPr>
+            <p:cNvSpPr txBox="1"/>
+            <p:nvPr/>
+          </p:nvSpPr>
+          <p:spPr>
+            <a:xfrm>
+              <a:off x="5093757" y="4387108"/>
+              <a:ext cx="810686" cy="307777"/>
+            </a:xfrm>
+            <a:prstGeom prst="rect">
+              <a:avLst/>
+            </a:prstGeom>
+            <a:noFill/>
+          </p:spPr>
+          <p:txBody>
+            <a:bodyPr wrap="square" rtlCol="0">
+              <a:spAutoFit/>
+            </a:bodyPr>
+            <a:lstStyle/>
+            <a:p>
+              <a:pPr algn="ctr"/>
+              <a:r>
+                <a:rPr kumimoji="1" lang="ja-JP" altLang="en-US" sz="1400" dirty="0"/>
+                <a:t>コミット</a:t>
+              </a:r>
+              <a:endParaRPr kumimoji="1" lang="en-US" altLang="ja-JP" sz="1400" dirty="0"/>
+            </a:p>
+          </p:txBody>
+        </p:sp>
+      </p:grpSp>
+      <p:grpSp>
+        <p:nvGrpSpPr>
+          <p:cNvPr id="78" name="グループ化 77">
+            <a:extLst>
+              <a:ext uri="{FF2B5EF4-FFF2-40B4-BE49-F238E27FC236}">
+                <a16:creationId xmlns:a16="http://schemas.microsoft.com/office/drawing/2014/main" id="{F918155F-F2C7-21BE-6AF1-961CA8B47128}"/>
+              </a:ext>
+            </a:extLst>
+          </p:cNvPr>
+          <p:cNvGrpSpPr/>
+          <p:nvPr/>
+        </p:nvGrpSpPr>
+        <p:grpSpPr>
+          <a:xfrm>
+            <a:off x="8687154" y="3526063"/>
+            <a:ext cx="1480613" cy="891978"/>
+            <a:chOff x="7782981" y="4661557"/>
+            <a:chExt cx="1480613" cy="891978"/>
+          </a:xfrm>
+        </p:grpSpPr>
+        <p:sp>
+          <p:nvSpPr>
+            <p:cNvPr id="79" name="楕円 78">
+              <a:extLst>
+                <a:ext uri="{FF2B5EF4-FFF2-40B4-BE49-F238E27FC236}">
+                  <a16:creationId xmlns:a16="http://schemas.microsoft.com/office/drawing/2014/main" id="{457DF060-567C-00F1-50D6-AAC40D9F61E8}"/>
+                </a:ext>
+              </a:extLst>
+            </p:cNvPr>
+            <p:cNvSpPr/>
+            <p:nvPr/>
+          </p:nvSpPr>
+          <p:spPr>
+            <a:xfrm>
+              <a:off x="8228006" y="4661557"/>
+              <a:ext cx="584201" cy="584201"/>
+            </a:xfrm>
+            <a:prstGeom prst="ellipse">
+              <a:avLst/>
+            </a:prstGeom>
+          </p:spPr>
+          <p:style>
+            <a:lnRef idx="2">
+              <a:schemeClr val="accent1">
+                <a:shade val="50000"/>
+              </a:schemeClr>
+            </a:lnRef>
+            <a:fillRef idx="1">
+              <a:schemeClr val="accent1"/>
+            </a:fillRef>
+            <a:effectRef idx="0">
+              <a:schemeClr val="accent1"/>
+            </a:effectRef>
+            <a:fontRef idx="minor">
+              <a:schemeClr val="lt1"/>
+            </a:fontRef>
+          </p:style>
+          <p:txBody>
+            <a:bodyPr rtlCol="0" anchor="ctr"/>
+            <a:lstStyle/>
+            <a:p>
+              <a:pPr algn="ctr"/>
+              <a:endParaRPr kumimoji="1" lang="ja-JP" altLang="en-US" dirty="0"/>
+            </a:p>
+          </p:txBody>
+        </p:sp>
+        <p:sp>
+          <p:nvSpPr>
+            <p:cNvPr id="80" name="テキスト ボックス 79">
+              <a:extLst>
+                <a:ext uri="{FF2B5EF4-FFF2-40B4-BE49-F238E27FC236}">
+                  <a16:creationId xmlns:a16="http://schemas.microsoft.com/office/drawing/2014/main" id="{8F609BB0-FFA1-9890-F840-9578AB1D8F30}"/>
+                </a:ext>
+              </a:extLst>
+            </p:cNvPr>
+            <p:cNvSpPr txBox="1"/>
+            <p:nvPr/>
+          </p:nvSpPr>
+          <p:spPr>
+            <a:xfrm>
+              <a:off x="7782981" y="5245758"/>
+              <a:ext cx="1480613" cy="307777"/>
+            </a:xfrm>
+            <a:prstGeom prst="rect">
+              <a:avLst/>
+            </a:prstGeom>
+            <a:noFill/>
+          </p:spPr>
+          <p:txBody>
+            <a:bodyPr wrap="square" rtlCol="0">
+              <a:spAutoFit/>
+            </a:bodyPr>
+            <a:lstStyle/>
+            <a:p>
+              <a:pPr algn="ctr"/>
+              <a:r>
+                <a:rPr kumimoji="1" lang="ja-JP" altLang="en-US" sz="1400" dirty="0"/>
+                <a:t>プッシュ</a:t>
+              </a:r>
+              <a:endParaRPr kumimoji="1" lang="en-US" altLang="ja-JP" sz="1400" dirty="0"/>
+            </a:p>
+          </p:txBody>
+        </p:sp>
+      </p:grpSp>
+      <p:grpSp>
+        <p:nvGrpSpPr>
+          <p:cNvPr id="81" name="グループ化 80">
+            <a:extLst>
+              <a:ext uri="{FF2B5EF4-FFF2-40B4-BE49-F238E27FC236}">
+                <a16:creationId xmlns:a16="http://schemas.microsoft.com/office/drawing/2014/main" id="{8B484D91-0F79-652D-F6A5-9EED0C161821}"/>
+              </a:ext>
+            </a:extLst>
+          </p:cNvPr>
+          <p:cNvGrpSpPr/>
+          <p:nvPr/>
+        </p:nvGrpSpPr>
+        <p:grpSpPr>
+          <a:xfrm>
+            <a:off x="6681144" y="1312133"/>
+            <a:ext cx="1480613" cy="891978"/>
+            <a:chOff x="7782981" y="4661557"/>
+            <a:chExt cx="1480613" cy="891978"/>
+          </a:xfrm>
+        </p:grpSpPr>
+        <p:sp>
+          <p:nvSpPr>
+            <p:cNvPr id="82" name="楕円 81">
+              <a:extLst>
+                <a:ext uri="{FF2B5EF4-FFF2-40B4-BE49-F238E27FC236}">
+                  <a16:creationId xmlns:a16="http://schemas.microsoft.com/office/drawing/2014/main" id="{E760C542-2835-CF73-6C53-AA5116751904}"/>
+                </a:ext>
+              </a:extLst>
+            </p:cNvPr>
+            <p:cNvSpPr/>
+            <p:nvPr/>
+          </p:nvSpPr>
+          <p:spPr>
+            <a:xfrm>
+              <a:off x="8228006" y="4661557"/>
+              <a:ext cx="584201" cy="584201"/>
+            </a:xfrm>
+            <a:prstGeom prst="ellipse">
+              <a:avLst/>
+            </a:prstGeom>
+          </p:spPr>
+          <p:style>
+            <a:lnRef idx="2">
+              <a:schemeClr val="accent1">
+                <a:shade val="50000"/>
+              </a:schemeClr>
+            </a:lnRef>
+            <a:fillRef idx="1">
+              <a:schemeClr val="accent1"/>
+            </a:fillRef>
+            <a:effectRef idx="0">
+              <a:schemeClr val="accent1"/>
+            </a:effectRef>
+            <a:fontRef idx="minor">
+              <a:schemeClr val="lt1"/>
+            </a:fontRef>
+          </p:style>
+          <p:txBody>
+            <a:bodyPr rtlCol="0" anchor="ctr"/>
+            <a:lstStyle/>
+            <a:p>
+              <a:pPr algn="ctr"/>
+              <a:endParaRPr kumimoji="1" lang="ja-JP" altLang="en-US" dirty="0"/>
+            </a:p>
+          </p:txBody>
+        </p:sp>
+        <p:sp>
+          <p:nvSpPr>
+            <p:cNvPr id="83" name="テキスト ボックス 82">
+              <a:extLst>
+                <a:ext uri="{FF2B5EF4-FFF2-40B4-BE49-F238E27FC236}">
+                  <a16:creationId xmlns:a16="http://schemas.microsoft.com/office/drawing/2014/main" id="{39ACC8C7-B461-25AD-FAE1-E7BD16FEBFA7}"/>
+                </a:ext>
+              </a:extLst>
+            </p:cNvPr>
+            <p:cNvSpPr txBox="1"/>
+            <p:nvPr/>
+          </p:nvSpPr>
+          <p:spPr>
+            <a:xfrm>
+              <a:off x="7782981" y="5245758"/>
+              <a:ext cx="1480613" cy="307777"/>
+            </a:xfrm>
+            <a:prstGeom prst="rect">
+              <a:avLst/>
+            </a:prstGeom>
+            <a:noFill/>
+          </p:spPr>
+          <p:txBody>
+            <a:bodyPr wrap="square" rtlCol="0">
+              <a:spAutoFit/>
+            </a:bodyPr>
+            <a:lstStyle/>
+            <a:p>
+              <a:pPr algn="ctr"/>
+              <a:r>
+                <a:rPr kumimoji="1" lang="ja-JP" altLang="en-US" sz="1400" dirty="0"/>
+                <a:t>マージ</a:t>
+              </a:r>
+              <a:endParaRPr kumimoji="1" lang="en-US" altLang="ja-JP" sz="1400" dirty="0"/>
+            </a:p>
+          </p:txBody>
+        </p:sp>
+      </p:grpSp>
+      <p:grpSp>
+        <p:nvGrpSpPr>
+          <p:cNvPr id="84" name="グループ化 83">
+            <a:extLst>
+              <a:ext uri="{FF2B5EF4-FFF2-40B4-BE49-F238E27FC236}">
+                <a16:creationId xmlns:a16="http://schemas.microsoft.com/office/drawing/2014/main" id="{D48D7DDA-3805-3C6F-94F2-B96F80255D66}"/>
+              </a:ext>
+            </a:extLst>
+          </p:cNvPr>
+          <p:cNvGrpSpPr/>
+          <p:nvPr/>
+        </p:nvGrpSpPr>
+        <p:grpSpPr>
+          <a:xfrm>
+            <a:off x="2258677" y="2389089"/>
+            <a:ext cx="1480613" cy="891978"/>
+            <a:chOff x="7782981" y="4661557"/>
+            <a:chExt cx="1480613" cy="891978"/>
+          </a:xfrm>
+        </p:grpSpPr>
+        <p:sp>
+          <p:nvSpPr>
+            <p:cNvPr id="85" name="楕円 84">
+              <a:extLst>
+                <a:ext uri="{FF2B5EF4-FFF2-40B4-BE49-F238E27FC236}">
+                  <a16:creationId xmlns:a16="http://schemas.microsoft.com/office/drawing/2014/main" id="{49C4C2C4-00B0-720F-C37E-1B7096041FD2}"/>
+                </a:ext>
+              </a:extLst>
+            </p:cNvPr>
+            <p:cNvSpPr/>
+            <p:nvPr/>
+          </p:nvSpPr>
+          <p:spPr>
+            <a:xfrm>
+              <a:off x="8228006" y="4661557"/>
+              <a:ext cx="584201" cy="584201"/>
+            </a:xfrm>
+            <a:prstGeom prst="ellipse">
+              <a:avLst/>
+            </a:prstGeom>
+          </p:spPr>
+          <p:style>
+            <a:lnRef idx="2">
+              <a:schemeClr val="accent1">
+                <a:shade val="50000"/>
+              </a:schemeClr>
+            </a:lnRef>
+            <a:fillRef idx="1">
+              <a:schemeClr val="accent1"/>
+            </a:fillRef>
+            <a:effectRef idx="0">
+              <a:schemeClr val="accent1"/>
+            </a:effectRef>
+            <a:fontRef idx="minor">
+              <a:schemeClr val="lt1"/>
+            </a:fontRef>
+          </p:style>
+          <p:txBody>
+            <a:bodyPr rtlCol="0" anchor="ctr"/>
+            <a:lstStyle/>
+            <a:p>
+              <a:pPr algn="ctr"/>
+              <a:endParaRPr kumimoji="1" lang="ja-JP" altLang="en-US" dirty="0"/>
+            </a:p>
+          </p:txBody>
+        </p:sp>
+        <p:sp>
+          <p:nvSpPr>
+            <p:cNvPr id="86" name="テキスト ボックス 85">
+              <a:extLst>
+                <a:ext uri="{FF2B5EF4-FFF2-40B4-BE49-F238E27FC236}">
+                  <a16:creationId xmlns:a16="http://schemas.microsoft.com/office/drawing/2014/main" id="{2EDDEBD9-A013-204E-C29F-C650F3C08D35}"/>
+                </a:ext>
+              </a:extLst>
+            </p:cNvPr>
+            <p:cNvSpPr txBox="1"/>
+            <p:nvPr/>
+          </p:nvSpPr>
+          <p:spPr>
+            <a:xfrm>
+              <a:off x="7782981" y="5245758"/>
+              <a:ext cx="1480613" cy="307777"/>
+            </a:xfrm>
+            <a:prstGeom prst="rect">
+              <a:avLst/>
+            </a:prstGeom>
+            <a:noFill/>
+          </p:spPr>
+          <p:txBody>
+            <a:bodyPr wrap="square" rtlCol="0">
+              <a:spAutoFit/>
+            </a:bodyPr>
+            <a:lstStyle/>
+            <a:p>
+              <a:pPr algn="ctr"/>
+              <a:r>
+                <a:rPr kumimoji="1" lang="ja-JP" altLang="en-US" sz="1400" dirty="0"/>
+                <a:t>ブランチ作成</a:t>
+              </a:r>
+              <a:endParaRPr kumimoji="1" lang="en-US" altLang="ja-JP" sz="1400" dirty="0"/>
+            </a:p>
+          </p:txBody>
+        </p:sp>
+      </p:grpSp>
+      <p:grpSp>
+        <p:nvGrpSpPr>
+          <p:cNvPr id="87" name="グループ化 86">
+            <a:extLst>
+              <a:ext uri="{FF2B5EF4-FFF2-40B4-BE49-F238E27FC236}">
+                <a16:creationId xmlns:a16="http://schemas.microsoft.com/office/drawing/2014/main" id="{A390229D-23D9-4755-848D-271C48BB15FF}"/>
+              </a:ext>
+            </a:extLst>
+          </p:cNvPr>
+          <p:cNvGrpSpPr/>
+          <p:nvPr/>
+        </p:nvGrpSpPr>
+        <p:grpSpPr>
+          <a:xfrm>
+            <a:off x="8683972" y="1312133"/>
+            <a:ext cx="1480613" cy="891978"/>
+            <a:chOff x="7782981" y="4661557"/>
+            <a:chExt cx="1480613" cy="891978"/>
+          </a:xfrm>
+        </p:grpSpPr>
+        <p:sp>
+          <p:nvSpPr>
+            <p:cNvPr id="88" name="楕円 87">
+              <a:extLst>
+                <a:ext uri="{FF2B5EF4-FFF2-40B4-BE49-F238E27FC236}">
+                  <a16:creationId xmlns:a16="http://schemas.microsoft.com/office/drawing/2014/main" id="{923CE6B5-3C11-9443-3AFC-7A2542027ABD}"/>
+                </a:ext>
+              </a:extLst>
+            </p:cNvPr>
+            <p:cNvSpPr/>
+            <p:nvPr/>
+          </p:nvSpPr>
+          <p:spPr>
+            <a:xfrm>
+              <a:off x="8228006" y="4661557"/>
+              <a:ext cx="584201" cy="584201"/>
+            </a:xfrm>
+            <a:prstGeom prst="ellipse">
+              <a:avLst/>
+            </a:prstGeom>
+          </p:spPr>
+          <p:style>
+            <a:lnRef idx="2">
+              <a:schemeClr val="accent1">
+                <a:shade val="50000"/>
+              </a:schemeClr>
+            </a:lnRef>
+            <a:fillRef idx="1">
+              <a:schemeClr val="accent1"/>
+            </a:fillRef>
+            <a:effectRef idx="0">
+              <a:schemeClr val="accent1"/>
+            </a:effectRef>
+            <a:fontRef idx="minor">
+              <a:schemeClr val="lt1"/>
+            </a:fontRef>
+          </p:style>
+          <p:txBody>
+            <a:bodyPr rtlCol="0" anchor="ctr"/>
+            <a:lstStyle/>
+            <a:p>
+              <a:pPr algn="ctr"/>
+              <a:endParaRPr kumimoji="1" lang="ja-JP" altLang="en-US" dirty="0"/>
+            </a:p>
+          </p:txBody>
+        </p:sp>
+        <p:sp>
+          <p:nvSpPr>
+            <p:cNvPr id="89" name="テキスト ボックス 88">
+              <a:extLst>
+                <a:ext uri="{FF2B5EF4-FFF2-40B4-BE49-F238E27FC236}">
+                  <a16:creationId xmlns:a16="http://schemas.microsoft.com/office/drawing/2014/main" id="{7D420D1B-07C9-6B58-7163-5F55E4902795}"/>
+                </a:ext>
+              </a:extLst>
+            </p:cNvPr>
+            <p:cNvSpPr txBox="1"/>
+            <p:nvPr/>
+          </p:nvSpPr>
+          <p:spPr>
+            <a:xfrm>
+              <a:off x="7782981" y="5245758"/>
+              <a:ext cx="1480613" cy="307777"/>
+            </a:xfrm>
+            <a:prstGeom prst="rect">
+              <a:avLst/>
+            </a:prstGeom>
+            <a:noFill/>
+          </p:spPr>
+          <p:txBody>
+            <a:bodyPr wrap="square" rtlCol="0">
+              <a:spAutoFit/>
+            </a:bodyPr>
+            <a:lstStyle/>
+            <a:p>
+              <a:pPr algn="ctr"/>
+              <a:r>
+                <a:rPr kumimoji="1" lang="ja-JP" altLang="en-US" sz="1400" dirty="0"/>
+                <a:t>プルリクエスト</a:t>
+              </a:r>
+              <a:endParaRPr kumimoji="1" lang="en-US" altLang="ja-JP" sz="1400" dirty="0"/>
+            </a:p>
+          </p:txBody>
+        </p:sp>
+      </p:grpSp>
+      <p:grpSp>
+        <p:nvGrpSpPr>
+          <p:cNvPr id="90" name="グループ化 89">
+            <a:extLst>
+              <a:ext uri="{FF2B5EF4-FFF2-40B4-BE49-F238E27FC236}">
+                <a16:creationId xmlns:a16="http://schemas.microsoft.com/office/drawing/2014/main" id="{214F2702-CECB-720D-FBF7-BC7E98E2EF47}"/>
+              </a:ext>
+            </a:extLst>
+          </p:cNvPr>
+          <p:cNvGrpSpPr/>
+          <p:nvPr/>
+        </p:nvGrpSpPr>
+        <p:grpSpPr>
+          <a:xfrm>
+            <a:off x="2831262" y="4667573"/>
+            <a:ext cx="1480613" cy="891978"/>
+            <a:chOff x="7782981" y="4661557"/>
+            <a:chExt cx="1480613" cy="891978"/>
+          </a:xfrm>
+        </p:grpSpPr>
+        <p:sp>
+          <p:nvSpPr>
+            <p:cNvPr id="91" name="楕円 90">
+              <a:extLst>
+                <a:ext uri="{FF2B5EF4-FFF2-40B4-BE49-F238E27FC236}">
+                  <a16:creationId xmlns:a16="http://schemas.microsoft.com/office/drawing/2014/main" id="{C67CB8CB-74D4-3230-D82A-EF506FE6D04E}"/>
+                </a:ext>
+              </a:extLst>
+            </p:cNvPr>
+            <p:cNvSpPr/>
+            <p:nvPr/>
+          </p:nvSpPr>
+          <p:spPr>
+            <a:xfrm>
+              <a:off x="8228006" y="4661557"/>
+              <a:ext cx="584201" cy="584201"/>
+            </a:xfrm>
+            <a:prstGeom prst="ellipse">
+              <a:avLst/>
+            </a:prstGeom>
+          </p:spPr>
+          <p:style>
+            <a:lnRef idx="2">
+              <a:schemeClr val="accent1">
+                <a:shade val="50000"/>
+              </a:schemeClr>
+            </a:lnRef>
+            <a:fillRef idx="1">
+              <a:schemeClr val="accent1"/>
+            </a:fillRef>
+            <a:effectRef idx="0">
+              <a:schemeClr val="accent1"/>
+            </a:effectRef>
+            <a:fontRef idx="minor">
+              <a:schemeClr val="lt1"/>
+            </a:fontRef>
+          </p:style>
+          <p:txBody>
+            <a:bodyPr rtlCol="0" anchor="ctr"/>
+            <a:lstStyle/>
+            <a:p>
+              <a:pPr algn="ctr"/>
+              <a:endParaRPr kumimoji="1" lang="ja-JP" altLang="en-US" dirty="0"/>
+            </a:p>
+          </p:txBody>
+        </p:sp>
+        <p:sp>
+          <p:nvSpPr>
+            <p:cNvPr id="92" name="テキスト ボックス 91">
+              <a:extLst>
+                <a:ext uri="{FF2B5EF4-FFF2-40B4-BE49-F238E27FC236}">
+                  <a16:creationId xmlns:a16="http://schemas.microsoft.com/office/drawing/2014/main" id="{AD678239-B114-EF83-B73F-3C71A3CA8F79}"/>
+                </a:ext>
+              </a:extLst>
+            </p:cNvPr>
+            <p:cNvSpPr txBox="1"/>
+            <p:nvPr/>
+          </p:nvSpPr>
+          <p:spPr>
+            <a:xfrm>
+              <a:off x="7782981" y="5245758"/>
+              <a:ext cx="1480613" cy="307777"/>
+            </a:xfrm>
+            <a:prstGeom prst="rect">
+              <a:avLst/>
+            </a:prstGeom>
+            <a:noFill/>
+          </p:spPr>
+          <p:txBody>
+            <a:bodyPr wrap="square" rtlCol="0">
+              <a:spAutoFit/>
+            </a:bodyPr>
+            <a:lstStyle/>
+            <a:p>
+              <a:pPr algn="ctr"/>
+              <a:r>
+                <a:rPr kumimoji="1" lang="ja-JP" altLang="en-US" sz="1400" dirty="0"/>
+                <a:t>コーディング</a:t>
+              </a:r>
+              <a:endParaRPr kumimoji="1" lang="en-US" altLang="ja-JP" sz="1400" dirty="0"/>
+            </a:p>
+          </p:txBody>
+        </p:sp>
+      </p:grpSp>
+      <p:grpSp>
+        <p:nvGrpSpPr>
+          <p:cNvPr id="93" name="グループ化 92">
+            <a:extLst>
+              <a:ext uri="{FF2B5EF4-FFF2-40B4-BE49-F238E27FC236}">
+                <a16:creationId xmlns:a16="http://schemas.microsoft.com/office/drawing/2014/main" id="{03AE824E-DEDE-1C91-1993-FEA4CF740D58}"/>
+              </a:ext>
+            </a:extLst>
+          </p:cNvPr>
+          <p:cNvGrpSpPr/>
+          <p:nvPr/>
+        </p:nvGrpSpPr>
+        <p:grpSpPr>
+          <a:xfrm>
+            <a:off x="5047316" y="2617727"/>
+            <a:ext cx="1480613" cy="891978"/>
+            <a:chOff x="7782981" y="4661557"/>
+            <a:chExt cx="1480613" cy="891978"/>
+          </a:xfrm>
+        </p:grpSpPr>
+        <p:sp>
+          <p:nvSpPr>
+            <p:cNvPr id="94" name="楕円 93">
+              <a:extLst>
+                <a:ext uri="{FF2B5EF4-FFF2-40B4-BE49-F238E27FC236}">
+                  <a16:creationId xmlns:a16="http://schemas.microsoft.com/office/drawing/2014/main" id="{4BCE921D-8E4A-BFB6-3A85-13DEB29BC035}"/>
+                </a:ext>
+              </a:extLst>
+            </p:cNvPr>
+            <p:cNvSpPr/>
+            <p:nvPr/>
+          </p:nvSpPr>
+          <p:spPr>
+            <a:xfrm>
+              <a:off x="8228006" y="4661557"/>
+              <a:ext cx="584201" cy="584201"/>
+            </a:xfrm>
+            <a:prstGeom prst="ellipse">
+              <a:avLst/>
+            </a:prstGeom>
+          </p:spPr>
+          <p:style>
+            <a:lnRef idx="2">
+              <a:schemeClr val="accent1">
+                <a:shade val="50000"/>
+              </a:schemeClr>
+            </a:lnRef>
+            <a:fillRef idx="1">
+              <a:schemeClr val="accent1"/>
+            </a:fillRef>
+            <a:effectRef idx="0">
+              <a:schemeClr val="accent1"/>
+            </a:effectRef>
+            <a:fontRef idx="minor">
+              <a:schemeClr val="lt1"/>
+            </a:fontRef>
+          </p:style>
+          <p:txBody>
+            <a:bodyPr rtlCol="0" anchor="ctr"/>
+            <a:lstStyle/>
+            <a:p>
+              <a:pPr algn="ctr"/>
+              <a:endParaRPr kumimoji="1" lang="ja-JP" altLang="en-US" dirty="0"/>
+            </a:p>
+          </p:txBody>
+        </p:sp>
+        <p:sp>
+          <p:nvSpPr>
+            <p:cNvPr id="95" name="テキスト ボックス 94">
+              <a:extLst>
+                <a:ext uri="{FF2B5EF4-FFF2-40B4-BE49-F238E27FC236}">
+                  <a16:creationId xmlns:a16="http://schemas.microsoft.com/office/drawing/2014/main" id="{433F7B87-2469-87A6-5C1F-0A6B8FDCC193}"/>
+                </a:ext>
+              </a:extLst>
+            </p:cNvPr>
+            <p:cNvSpPr txBox="1"/>
+            <p:nvPr/>
+          </p:nvSpPr>
+          <p:spPr>
+            <a:xfrm>
+              <a:off x="7782981" y="5245758"/>
+              <a:ext cx="1480613" cy="307777"/>
+            </a:xfrm>
+            <a:prstGeom prst="rect">
+              <a:avLst/>
+            </a:prstGeom>
+            <a:noFill/>
+          </p:spPr>
+          <p:txBody>
+            <a:bodyPr wrap="square" rtlCol="0">
+              <a:spAutoFit/>
+            </a:bodyPr>
+            <a:lstStyle/>
+            <a:p>
+              <a:pPr algn="ctr"/>
+              <a:r>
+                <a:rPr kumimoji="1" lang="ja-JP" altLang="en-US" sz="1400" dirty="0"/>
+                <a:t>ブランチ変更</a:t>
+              </a:r>
+              <a:endParaRPr kumimoji="1" lang="en-US" altLang="ja-JP" sz="1400" dirty="0"/>
+            </a:p>
+          </p:txBody>
+        </p:sp>
+      </p:grpSp>
+      <p:cxnSp>
+        <p:nvCxnSpPr>
+          <p:cNvPr id="97" name="コネクタ: 曲線 96">
+            <a:extLst>
+              <a:ext uri="{FF2B5EF4-FFF2-40B4-BE49-F238E27FC236}">
+                <a16:creationId xmlns:a16="http://schemas.microsoft.com/office/drawing/2014/main" id="{0813F254-C21C-C94A-C263-4A24309E2D81}"/>
+              </a:ext>
+            </a:extLst>
+          </p:cNvPr>
+          <p:cNvCxnSpPr>
+            <a:cxnSpLocks/>
+            <a:stCxn id="91" idx="6"/>
+            <a:endCxn id="7" idx="2"/>
+          </p:cNvCxnSpPr>
+          <p:nvPr/>
+        </p:nvCxnSpPr>
+        <p:spPr>
+          <a:xfrm>
+            <a:off x="3860488" y="4959674"/>
+            <a:ext cx="1047383" cy="6583"/>
+          </a:xfrm>
+          <a:prstGeom prst="curvedConnector3">
+            <a:avLst>
+              <a:gd name="adj1" fmla="val 50000"/>
+            </a:avLst>
+          </a:prstGeom>
+          <a:ln>
+            <a:tailEnd type="triangle"/>
+          </a:ln>
+        </p:spPr>
+        <p:style>
+          <a:lnRef idx="1">
+            <a:schemeClr val="accent1"/>
+          </a:lnRef>
+          <a:fillRef idx="0">
+            <a:schemeClr val="accent1"/>
+          </a:fillRef>
+          <a:effectRef idx="0">
+            <a:schemeClr val="accent1"/>
+          </a:effectRef>
+          <a:fontRef idx="minor">
+            <a:schemeClr val="tx1"/>
+          </a:fontRef>
+        </p:style>
+      </p:cxnSp>
+      <p:cxnSp>
+        <p:nvCxnSpPr>
+          <p:cNvPr id="98" name="コネクタ: 曲線 97">
+            <a:extLst>
+              <a:ext uri="{FF2B5EF4-FFF2-40B4-BE49-F238E27FC236}">
+                <a16:creationId xmlns:a16="http://schemas.microsoft.com/office/drawing/2014/main" id="{079E2FFD-1D0B-AEC6-6A48-83AB6013D0C7}"/>
+              </a:ext>
+            </a:extLst>
+          </p:cNvPr>
+          <p:cNvCxnSpPr>
+            <a:cxnSpLocks/>
+            <a:stCxn id="7" idx="6"/>
+            <a:endCxn id="4" idx="2"/>
+          </p:cNvCxnSpPr>
+          <p:nvPr/>
+        </p:nvCxnSpPr>
+        <p:spPr>
+          <a:xfrm>
+            <a:off x="5492072" y="4966257"/>
+            <a:ext cx="1007009" cy="12700"/>
+          </a:xfrm>
+          <a:prstGeom prst="curvedConnector3">
+            <a:avLst>
+              <a:gd name="adj1" fmla="val 50000"/>
+            </a:avLst>
+          </a:prstGeom>
+          <a:ln>
+            <a:tailEnd type="triangle"/>
+          </a:ln>
+        </p:spPr>
+        <p:style>
+          <a:lnRef idx="1">
+            <a:schemeClr val="accent1"/>
+          </a:lnRef>
+          <a:fillRef idx="0">
+            <a:schemeClr val="accent1"/>
+          </a:fillRef>
+          <a:effectRef idx="0">
+            <a:schemeClr val="accent1"/>
+          </a:effectRef>
+          <a:fontRef idx="minor">
+            <a:schemeClr val="tx1"/>
+          </a:fontRef>
+        </p:style>
+      </p:cxnSp>
+      <p:cxnSp>
+        <p:nvCxnSpPr>
+          <p:cNvPr id="101" name="コネクタ: 曲線 100">
+            <a:extLst>
+              <a:ext uri="{FF2B5EF4-FFF2-40B4-BE49-F238E27FC236}">
+                <a16:creationId xmlns:a16="http://schemas.microsoft.com/office/drawing/2014/main" id="{8448EE15-332E-90C3-7529-66774BBFADB6}"/>
+              </a:ext>
+            </a:extLst>
+          </p:cNvPr>
+          <p:cNvCxnSpPr>
+            <a:cxnSpLocks/>
+            <a:stCxn id="4" idx="1"/>
+            <a:endCxn id="91" idx="7"/>
+          </p:cNvCxnSpPr>
+          <p:nvPr/>
+        </p:nvCxnSpPr>
+        <p:spPr>
+          <a:xfrm rot="16200000" flipV="1">
+            <a:off x="5176494" y="3351568"/>
+            <a:ext cx="6583" cy="2809701"/>
+          </a:xfrm>
+          <a:prstGeom prst="curvedConnector3">
+            <a:avLst>
+              <a:gd name="adj1" fmla="val 4872201"/>
+            </a:avLst>
+          </a:prstGeom>
+          <a:ln>
+            <a:tailEnd type="triangle"/>
+          </a:ln>
+        </p:spPr>
+        <p:style>
+          <a:lnRef idx="1">
+            <a:schemeClr val="accent1"/>
+          </a:lnRef>
+          <a:fillRef idx="0">
+            <a:schemeClr val="accent1"/>
+          </a:fillRef>
+          <a:effectRef idx="0">
+            <a:schemeClr val="accent1"/>
+          </a:effectRef>
+          <a:fontRef idx="minor">
+            <a:schemeClr val="tx1"/>
+          </a:fontRef>
+        </p:style>
+      </p:cxnSp>
+      <p:cxnSp>
+        <p:nvCxnSpPr>
+          <p:cNvPr id="117" name="コネクタ: 曲線 116">
+            <a:extLst>
+              <a:ext uri="{FF2B5EF4-FFF2-40B4-BE49-F238E27FC236}">
+                <a16:creationId xmlns:a16="http://schemas.microsoft.com/office/drawing/2014/main" id="{C8709C43-E8E3-81AA-CA74-F32B95ABF589}"/>
+              </a:ext>
+            </a:extLst>
+          </p:cNvPr>
+          <p:cNvCxnSpPr>
+            <a:cxnSpLocks/>
+            <a:stCxn id="4" idx="6"/>
+            <a:endCxn id="79" idx="4"/>
+          </p:cNvCxnSpPr>
+          <p:nvPr/>
+        </p:nvCxnSpPr>
+        <p:spPr>
+          <a:xfrm flipV="1">
+            <a:off x="7083282" y="4110264"/>
+            <a:ext cx="2340998" cy="855993"/>
+          </a:xfrm>
+          <a:prstGeom prst="curvedConnector2">
+            <a:avLst/>
+          </a:prstGeom>
+          <a:ln>
+            <a:tailEnd type="triangle"/>
+          </a:ln>
+        </p:spPr>
+        <p:style>
+          <a:lnRef idx="1">
+            <a:schemeClr val="accent1"/>
+          </a:lnRef>
+          <a:fillRef idx="0">
+            <a:schemeClr val="accent1"/>
+          </a:fillRef>
+          <a:effectRef idx="0">
+            <a:schemeClr val="accent1"/>
+          </a:effectRef>
+          <a:fontRef idx="minor">
+            <a:schemeClr val="tx1"/>
+          </a:fontRef>
+        </p:style>
+      </p:cxnSp>
+      <p:cxnSp>
+        <p:nvCxnSpPr>
+          <p:cNvPr id="120" name="コネクタ: 曲線 119">
+            <a:extLst>
+              <a:ext uri="{FF2B5EF4-FFF2-40B4-BE49-F238E27FC236}">
+                <a16:creationId xmlns:a16="http://schemas.microsoft.com/office/drawing/2014/main" id="{37032FD3-D905-926A-15C6-DB9B7C001F0A}"/>
+              </a:ext>
+            </a:extLst>
+          </p:cNvPr>
+          <p:cNvCxnSpPr>
+            <a:cxnSpLocks/>
+            <a:stCxn id="79" idx="0"/>
+            <a:endCxn id="88" idx="4"/>
+          </p:cNvCxnSpPr>
+          <p:nvPr/>
+        </p:nvCxnSpPr>
+        <p:spPr>
+          <a:xfrm rot="16200000" flipV="1">
+            <a:off x="8607825" y="2709608"/>
+            <a:ext cx="1629729" cy="3182"/>
+          </a:xfrm>
+          <a:prstGeom prst="curvedConnector3">
+            <a:avLst>
+              <a:gd name="adj1" fmla="val 50000"/>
+            </a:avLst>
+          </a:prstGeom>
+          <a:ln>
+            <a:tailEnd type="triangle"/>
+          </a:ln>
+        </p:spPr>
+        <p:style>
+          <a:lnRef idx="1">
+            <a:schemeClr val="accent1"/>
+          </a:lnRef>
+          <a:fillRef idx="0">
+            <a:schemeClr val="accent1"/>
+          </a:fillRef>
+          <a:effectRef idx="0">
+            <a:schemeClr val="accent1"/>
+          </a:effectRef>
+          <a:fontRef idx="minor">
+            <a:schemeClr val="tx1"/>
+          </a:fontRef>
+        </p:style>
+      </p:cxnSp>
+      <p:cxnSp>
+        <p:nvCxnSpPr>
+          <p:cNvPr id="128" name="コネクタ: 曲線 127">
+            <a:extLst>
+              <a:ext uri="{FF2B5EF4-FFF2-40B4-BE49-F238E27FC236}">
+                <a16:creationId xmlns:a16="http://schemas.microsoft.com/office/drawing/2014/main" id="{1E5F77C8-ED4C-72BC-2788-CE832DEF55B7}"/>
+              </a:ext>
+            </a:extLst>
+          </p:cNvPr>
+          <p:cNvCxnSpPr>
+            <a:cxnSpLocks/>
+            <a:stCxn id="4" idx="0"/>
+            <a:endCxn id="94" idx="6"/>
+          </p:cNvCxnSpPr>
+          <p:nvPr/>
+        </p:nvCxnSpPr>
+        <p:spPr>
+          <a:xfrm rot="16200000" flipV="1">
+            <a:off x="5551698" y="3434672"/>
+            <a:ext cx="1764328" cy="714640"/>
+          </a:xfrm>
+          <a:prstGeom prst="curvedConnector2">
+            <a:avLst/>
+          </a:prstGeom>
+          <a:ln>
+            <a:tailEnd type="triangle"/>
+          </a:ln>
+        </p:spPr>
+        <p:style>
+          <a:lnRef idx="1">
+            <a:schemeClr val="accent1"/>
+          </a:lnRef>
+          <a:fillRef idx="0">
+            <a:schemeClr val="accent1"/>
+          </a:fillRef>
+          <a:effectRef idx="0">
+            <a:schemeClr val="accent1"/>
+          </a:effectRef>
+          <a:fontRef idx="minor">
+            <a:schemeClr val="tx1"/>
+          </a:fontRef>
+        </p:style>
+      </p:cxnSp>
+      <p:cxnSp>
+        <p:nvCxnSpPr>
+          <p:cNvPr id="131" name="コネクタ: 曲線 130">
+            <a:extLst>
+              <a:ext uri="{FF2B5EF4-FFF2-40B4-BE49-F238E27FC236}">
+                <a16:creationId xmlns:a16="http://schemas.microsoft.com/office/drawing/2014/main" id="{8782AD26-8CDD-6A4D-FE9D-E36630A3DC80}"/>
+              </a:ext>
+            </a:extLst>
+          </p:cNvPr>
+          <p:cNvCxnSpPr>
+            <a:cxnSpLocks/>
+            <a:stCxn id="94" idx="2"/>
+            <a:endCxn id="91" idx="0"/>
+          </p:cNvCxnSpPr>
+          <p:nvPr/>
+        </p:nvCxnSpPr>
+        <p:spPr>
+          <a:xfrm rot="10800000" flipV="1">
+            <a:off x="3568389" y="2909827"/>
+            <a:ext cx="1923953" cy="1757745"/>
+          </a:xfrm>
+          <a:prstGeom prst="curvedConnector2">
+            <a:avLst/>
+          </a:prstGeom>
+          <a:ln>
+            <a:tailEnd type="triangle"/>
+          </a:ln>
+        </p:spPr>
+        <p:style>
+          <a:lnRef idx="1">
+            <a:schemeClr val="accent1"/>
+          </a:lnRef>
+          <a:fillRef idx="0">
+            <a:schemeClr val="accent1"/>
+          </a:fillRef>
+          <a:effectRef idx="0">
+            <a:schemeClr val="accent1"/>
+          </a:effectRef>
+          <a:fontRef idx="minor">
+            <a:schemeClr val="tx1"/>
+          </a:fontRef>
+        </p:style>
+      </p:cxnSp>
+      <p:cxnSp>
+        <p:nvCxnSpPr>
+          <p:cNvPr id="139" name="コネクタ: 曲線 138">
+            <a:extLst>
+              <a:ext uri="{FF2B5EF4-FFF2-40B4-BE49-F238E27FC236}">
+                <a16:creationId xmlns:a16="http://schemas.microsoft.com/office/drawing/2014/main" id="{093A0235-F9A9-16FB-E1E3-306D414E4FCB}"/>
+              </a:ext>
+            </a:extLst>
+          </p:cNvPr>
+          <p:cNvCxnSpPr>
+            <a:cxnSpLocks/>
+            <a:stCxn id="4" idx="7"/>
+            <a:endCxn id="85" idx="6"/>
+          </p:cNvCxnSpPr>
+          <p:nvPr/>
+        </p:nvCxnSpPr>
+        <p:spPr>
+          <a:xfrm rot="16200000" flipV="1">
+            <a:off x="4103556" y="1865537"/>
+            <a:ext cx="2078520" cy="3709825"/>
+          </a:xfrm>
+          <a:prstGeom prst="curvedConnector2">
+            <a:avLst/>
+          </a:prstGeom>
+          <a:ln>
+            <a:tailEnd type="triangle"/>
+          </a:ln>
+        </p:spPr>
+        <p:style>
+          <a:lnRef idx="1">
+            <a:schemeClr val="accent1"/>
+          </a:lnRef>
+          <a:fillRef idx="0">
+            <a:schemeClr val="accent1"/>
+          </a:fillRef>
+          <a:effectRef idx="0">
+            <a:schemeClr val="accent1"/>
+          </a:effectRef>
+          <a:fontRef idx="minor">
+            <a:schemeClr val="tx1"/>
+          </a:fontRef>
+        </p:style>
+      </p:cxnSp>
+      <p:cxnSp>
+        <p:nvCxnSpPr>
+          <p:cNvPr id="145" name="コネクタ: 曲線 144">
+            <a:extLst>
+              <a:ext uri="{FF2B5EF4-FFF2-40B4-BE49-F238E27FC236}">
+                <a16:creationId xmlns:a16="http://schemas.microsoft.com/office/drawing/2014/main" id="{76C62664-B66D-7F3B-02FA-D7AB4452E325}"/>
+              </a:ext>
+            </a:extLst>
+          </p:cNvPr>
+          <p:cNvCxnSpPr>
+            <a:cxnSpLocks/>
+            <a:stCxn id="85" idx="4"/>
+            <a:endCxn id="91" idx="2"/>
+          </p:cNvCxnSpPr>
+          <p:nvPr/>
+        </p:nvCxnSpPr>
+        <p:spPr>
+          <a:xfrm rot="16200000" flipH="1">
+            <a:off x="2142853" y="3826240"/>
+            <a:ext cx="1986384" cy="280484"/>
+          </a:xfrm>
+          <a:prstGeom prst="curvedConnector2">
+            <a:avLst/>
+          </a:prstGeom>
+          <a:ln>
+            <a:tailEnd type="triangle"/>
+          </a:ln>
+        </p:spPr>
+        <p:style>
+          <a:lnRef idx="1">
+            <a:schemeClr val="accent1"/>
+          </a:lnRef>
+          <a:fillRef idx="0">
+            <a:schemeClr val="accent1"/>
+          </a:fillRef>
+          <a:effectRef idx="0">
+            <a:schemeClr val="accent1"/>
+          </a:effectRef>
+          <a:fontRef idx="minor">
+            <a:schemeClr val="tx1"/>
+          </a:fontRef>
+        </p:style>
+      </p:cxnSp>
+      <p:cxnSp>
+        <p:nvCxnSpPr>
+          <p:cNvPr id="155" name="コネクタ: 曲線 154">
+            <a:extLst>
+              <a:ext uri="{FF2B5EF4-FFF2-40B4-BE49-F238E27FC236}">
+                <a16:creationId xmlns:a16="http://schemas.microsoft.com/office/drawing/2014/main" id="{987DA609-D11E-A685-5DBF-03F1F09A4F93}"/>
+              </a:ext>
+            </a:extLst>
+          </p:cNvPr>
+          <p:cNvCxnSpPr>
+            <a:cxnSpLocks/>
+            <a:stCxn id="88" idx="2"/>
+            <a:endCxn id="82" idx="6"/>
+          </p:cNvCxnSpPr>
+          <p:nvPr/>
+        </p:nvCxnSpPr>
+        <p:spPr>
+          <a:xfrm rot="10800000">
+            <a:off x="7710371" y="1604234"/>
+            <a:ext cx="1418627" cy="12700"/>
+          </a:xfrm>
+          <a:prstGeom prst="curvedConnector3">
+            <a:avLst>
+              <a:gd name="adj1" fmla="val 50000"/>
+            </a:avLst>
+          </a:prstGeom>
+          <a:ln>
+            <a:tailEnd type="triangle"/>
+          </a:ln>
+        </p:spPr>
+        <p:style>
+          <a:lnRef idx="1">
+            <a:schemeClr val="accent1"/>
+          </a:lnRef>
+          <a:fillRef idx="0">
+            <a:schemeClr val="accent1"/>
+          </a:fillRef>
+          <a:effectRef idx="0">
+            <a:schemeClr val="accent1"/>
+          </a:effectRef>
+          <a:fontRef idx="minor">
+            <a:schemeClr val="tx1"/>
+          </a:fontRef>
+        </p:style>
+      </p:cxnSp>
+      <p:cxnSp>
+        <p:nvCxnSpPr>
+          <p:cNvPr id="161" name="コネクタ: 曲線 160">
+            <a:extLst>
+              <a:ext uri="{FF2B5EF4-FFF2-40B4-BE49-F238E27FC236}">
+                <a16:creationId xmlns:a16="http://schemas.microsoft.com/office/drawing/2014/main" id="{0F637759-E6CC-EE86-426A-7913570DE215}"/>
+              </a:ext>
+            </a:extLst>
+          </p:cNvPr>
+          <p:cNvCxnSpPr>
+            <a:cxnSpLocks/>
+            <a:stCxn id="82" idx="2"/>
+            <a:endCxn id="8" idx="6"/>
+          </p:cNvCxnSpPr>
+          <p:nvPr/>
+        </p:nvCxnSpPr>
+        <p:spPr>
+          <a:xfrm rot="10800000" flipV="1">
+            <a:off x="6291873" y="1604234"/>
+            <a:ext cx="834296" cy="34066"/>
+          </a:xfrm>
+          <a:prstGeom prst="curvedConnector3">
+            <a:avLst>
+              <a:gd name="adj1" fmla="val 50000"/>
+            </a:avLst>
+          </a:prstGeom>
+          <a:ln>
+            <a:tailEnd type="triangle"/>
+          </a:ln>
+        </p:spPr>
+        <p:style>
+          <a:lnRef idx="1">
+            <a:schemeClr val="accent1"/>
+          </a:lnRef>
+          <a:fillRef idx="0">
+            <a:schemeClr val="accent1"/>
+          </a:fillRef>
+          <a:effectRef idx="0">
+            <a:schemeClr val="accent1"/>
+          </a:effectRef>
+          <a:fontRef idx="minor">
+            <a:schemeClr val="tx1"/>
+          </a:fontRef>
+        </p:style>
+      </p:cxnSp>
+      <p:cxnSp>
+        <p:nvCxnSpPr>
+          <p:cNvPr id="172" name="コネクタ: 曲線 171">
+            <a:extLst>
+              <a:ext uri="{FF2B5EF4-FFF2-40B4-BE49-F238E27FC236}">
+                <a16:creationId xmlns:a16="http://schemas.microsoft.com/office/drawing/2014/main" id="{3B861F50-B85F-E8EE-5725-FBE0B780FCC4}"/>
+              </a:ext>
+            </a:extLst>
+          </p:cNvPr>
+          <p:cNvCxnSpPr>
+            <a:cxnSpLocks/>
+            <a:stCxn id="8" idx="2"/>
+            <a:endCxn id="85" idx="0"/>
+          </p:cNvCxnSpPr>
+          <p:nvPr/>
+        </p:nvCxnSpPr>
+        <p:spPr>
+          <a:xfrm rot="10800000" flipV="1">
+            <a:off x="2995804" y="1638299"/>
+            <a:ext cx="2711869" cy="750789"/>
+          </a:xfrm>
+          <a:prstGeom prst="curvedConnector2">
+            <a:avLst/>
+          </a:prstGeom>
+          <a:ln>
+            <a:tailEnd type="triangle"/>
+          </a:ln>
+        </p:spPr>
+        <p:style>
+          <a:lnRef idx="1">
+            <a:schemeClr val="accent1"/>
+          </a:lnRef>
+          <a:fillRef idx="0">
+            <a:schemeClr val="accent1"/>
+          </a:fillRef>
+          <a:effectRef idx="0">
+            <a:schemeClr val="accent1"/>
+          </a:effectRef>
+          <a:fontRef idx="minor">
+            <a:schemeClr val="tx1"/>
+          </a:fontRef>
+        </p:style>
+      </p:cxnSp>
+      <p:cxnSp>
+        <p:nvCxnSpPr>
+          <p:cNvPr id="181" name="コネクタ: 曲線 180">
+            <a:extLst>
+              <a:ext uri="{FF2B5EF4-FFF2-40B4-BE49-F238E27FC236}">
+                <a16:creationId xmlns:a16="http://schemas.microsoft.com/office/drawing/2014/main" id="{A2316700-8CCD-0A66-66F3-9A7C9051D6E5}"/>
+              </a:ext>
+            </a:extLst>
+          </p:cNvPr>
+          <p:cNvCxnSpPr>
+            <a:cxnSpLocks/>
+            <a:stCxn id="6" idx="6"/>
+            <a:endCxn id="85" idx="2"/>
+          </p:cNvCxnSpPr>
+          <p:nvPr/>
+        </p:nvCxnSpPr>
+        <p:spPr>
+          <a:xfrm>
+            <a:off x="1370845" y="2681190"/>
+            <a:ext cx="1332857" cy="12700"/>
+          </a:xfrm>
+          <a:prstGeom prst="curvedConnector3">
+            <a:avLst>
+              <a:gd name="adj1" fmla="val 50000"/>
+            </a:avLst>
+          </a:prstGeom>
+          <a:ln>
+            <a:tailEnd type="triangle"/>
+          </a:ln>
+        </p:spPr>
+        <p:style>
+          <a:lnRef idx="1">
+            <a:schemeClr val="accent1"/>
+          </a:lnRef>
+          <a:fillRef idx="0">
+            <a:schemeClr val="accent1"/>
+          </a:fillRef>
+          <a:effectRef idx="0">
+            <a:schemeClr val="accent1"/>
+          </a:effectRef>
+          <a:fontRef idx="minor">
+            <a:schemeClr val="tx1"/>
+          </a:fontRef>
+        </p:style>
+      </p:cxnSp>
+      <p:cxnSp>
+        <p:nvCxnSpPr>
+          <p:cNvPr id="214" name="コネクタ: 曲線 213">
+            <a:extLst>
+              <a:ext uri="{FF2B5EF4-FFF2-40B4-BE49-F238E27FC236}">
+                <a16:creationId xmlns:a16="http://schemas.microsoft.com/office/drawing/2014/main" id="{401A4D20-0EC8-3CD4-D195-539CAAD194A5}"/>
+              </a:ext>
+            </a:extLst>
+          </p:cNvPr>
+          <p:cNvCxnSpPr>
+            <a:cxnSpLocks/>
+            <a:stCxn id="8" idx="5"/>
+            <a:endCxn id="94" idx="0"/>
+          </p:cNvCxnSpPr>
+          <p:nvPr/>
+        </p:nvCxnSpPr>
+        <p:spPr>
+          <a:xfrm rot="5400000">
+            <a:off x="5608941" y="2020348"/>
+            <a:ext cx="772881" cy="421877"/>
+          </a:xfrm>
+          <a:prstGeom prst="curvedConnector3">
+            <a:avLst>
+              <a:gd name="adj1" fmla="val 50000"/>
+            </a:avLst>
+          </a:prstGeom>
+          <a:ln>
+            <a:tailEnd type="triangle"/>
+          </a:ln>
+        </p:spPr>
+        <p:style>
+          <a:lnRef idx="1">
+            <a:schemeClr val="accent1"/>
+          </a:lnRef>
+          <a:fillRef idx="0">
+            <a:schemeClr val="accent1"/>
+          </a:fillRef>
+          <a:effectRef idx="0">
+            <a:schemeClr val="accent1"/>
+          </a:effectRef>
+          <a:fontRef idx="minor">
+            <a:schemeClr val="tx1"/>
+          </a:fontRef>
+        </p:style>
+      </p:cxnSp>
+    </p:spTree>
+    <p:extLst>
+      <p:ext uri="{BB962C8B-B14F-4D97-AF65-F5344CB8AC3E}">
+        <p14:creationId xmlns:p14="http://schemas.microsoft.com/office/powerpoint/2010/main" val="91880673"/>
       </p:ext>
     </p:extLst>
   </p:cSld>

--- a/LostDocument/開発用仕様書.pptx
+++ b/LostDocument/開発用仕様書.pptx
@@ -173,7 +173,7 @@
           <a:noFill/>
           <a:extLst>
             <a:ext uri="{909E8E84-426E-40dd-AFC4-6F175D3DCCD1}">
-              <a14:hiddenFill xmlns="" xmlns:a14="http://schemas.microsoft.com/office/drawing/2010/main">
+              <a14:hiddenFill xmlns:a14="http://schemas.microsoft.com/office/drawing/2010/main" xmlns="">
                 <a:solidFill>
                   <a:srgbClr val="FFFFFF"/>
                 </a:solidFill>
@@ -232,7 +232,7 @@
             </a:ln>
             <a:extLst>
               <a:ext uri="{91240B29-F687-4f45-9708-019B960494DF}">
-                <a14:hiddenLine xmlns="" xmlns:a14="http://schemas.microsoft.com/office/drawing/2010/main" w="9525">
+                <a14:hiddenLine xmlns:a14="http://schemas.microsoft.com/office/drawing/2010/main" xmlns="" w="9525">
                   <a:solidFill>
                     <a:srgbClr val="000000"/>
                   </a:solidFill>
@@ -322,7 +322,7 @@
             </a:ln>
             <a:extLst>
               <a:ext uri="{91240B29-F687-4f45-9708-019B960494DF}">
-                <a14:hiddenLine xmlns="" xmlns:a14="http://schemas.microsoft.com/office/drawing/2010/main" w="9525">
+                <a14:hiddenLine xmlns:a14="http://schemas.microsoft.com/office/drawing/2010/main" xmlns="" w="9525">
                   <a:solidFill>
                     <a:srgbClr val="000000"/>
                   </a:solidFill>
@@ -412,7 +412,7 @@
             </a:ln>
             <a:extLst>
               <a:ext uri="{91240B29-F687-4f45-9708-019B960494DF}">
-                <a14:hiddenLine xmlns="" xmlns:a14="http://schemas.microsoft.com/office/drawing/2010/main" w="9525">
+                <a14:hiddenLine xmlns:a14="http://schemas.microsoft.com/office/drawing/2010/main" xmlns="" w="9525">
                   <a:solidFill>
                     <a:srgbClr val="000000"/>
                   </a:solidFill>
@@ -446,7 +446,7 @@
             </a:ln>
             <a:extLst>
               <a:ext uri="{91240B29-F687-4f45-9708-019B960494DF}">
-                <a14:hiddenLine xmlns="" xmlns:a14="http://schemas.microsoft.com/office/drawing/2010/main" w="9525">
+                <a14:hiddenLine xmlns:a14="http://schemas.microsoft.com/office/drawing/2010/main" xmlns="" w="9525">
                   <a:solidFill>
                     <a:srgbClr val="000000"/>
                   </a:solidFill>
@@ -536,7 +536,7 @@
             </a:ln>
             <a:extLst>
               <a:ext uri="{91240B29-F687-4f45-9708-019B960494DF}">
-                <a14:hiddenLine xmlns="" xmlns:a14="http://schemas.microsoft.com/office/drawing/2010/main" w="9525">
+                <a14:hiddenLine xmlns:a14="http://schemas.microsoft.com/office/drawing/2010/main" xmlns="" w="9525">
                   <a:solidFill>
                     <a:srgbClr val="000000"/>
                   </a:solidFill>
@@ -598,7 +598,7 @@
             </a:ln>
             <a:extLst>
               <a:ext uri="{91240B29-F687-4f45-9708-019B960494DF}">
-                <a14:hiddenLine xmlns="" xmlns:a14="http://schemas.microsoft.com/office/drawing/2010/main" w="9525">
+                <a14:hiddenLine xmlns:a14="http://schemas.microsoft.com/office/drawing/2010/main" xmlns="" w="9525">
                   <a:solidFill>
                     <a:srgbClr val="000000"/>
                   </a:solidFill>
@@ -660,7 +660,7 @@
             </a:ln>
             <a:extLst>
               <a:ext uri="{91240B29-F687-4f45-9708-019B960494DF}">
-                <a14:hiddenLine xmlns="" xmlns:a14="http://schemas.microsoft.com/office/drawing/2010/main" w="9525">
+                <a14:hiddenLine xmlns:a14="http://schemas.microsoft.com/office/drawing/2010/main" xmlns="" w="9525">
                   <a:solidFill>
                     <a:srgbClr val="000000"/>
                   </a:solidFill>
@@ -750,7 +750,7 @@
             </a:ln>
             <a:extLst>
               <a:ext uri="{91240B29-F687-4f45-9708-019B960494DF}">
-                <a14:hiddenLine xmlns="" xmlns:a14="http://schemas.microsoft.com/office/drawing/2010/main" w="9525">
+                <a14:hiddenLine xmlns:a14="http://schemas.microsoft.com/office/drawing/2010/main" xmlns="" w="9525">
                   <a:solidFill>
                     <a:srgbClr val="000000"/>
                   </a:solidFill>
@@ -812,7 +812,7 @@
             </a:ln>
             <a:extLst>
               <a:ext uri="{91240B29-F687-4f45-9708-019B960494DF}">
-                <a14:hiddenLine xmlns="" xmlns:a14="http://schemas.microsoft.com/office/drawing/2010/main" w="9525">
+                <a14:hiddenLine xmlns:a14="http://schemas.microsoft.com/office/drawing/2010/main" xmlns="" w="9525">
                   <a:solidFill>
                     <a:srgbClr val="000000"/>
                   </a:solidFill>
@@ -874,7 +874,7 @@
             </a:ln>
             <a:extLst>
               <a:ext uri="{91240B29-F687-4f45-9708-019B960494DF}">
-                <a14:hiddenLine xmlns="" xmlns:a14="http://schemas.microsoft.com/office/drawing/2010/main" w="9525">
+                <a14:hiddenLine xmlns:a14="http://schemas.microsoft.com/office/drawing/2010/main" xmlns="" w="9525">
                   <a:solidFill>
                     <a:srgbClr val="000000"/>
                   </a:solidFill>
@@ -964,7 +964,7 @@
             </a:ln>
             <a:extLst>
               <a:ext uri="{91240B29-F687-4f45-9708-019B960494DF}">
-                <a14:hiddenLine xmlns="" xmlns:a14="http://schemas.microsoft.com/office/drawing/2010/main" w="9525">
+                <a14:hiddenLine xmlns:a14="http://schemas.microsoft.com/office/drawing/2010/main" xmlns="" w="9525">
                   <a:solidFill>
                     <a:srgbClr val="000000"/>
                   </a:solidFill>
@@ -1054,7 +1054,7 @@
             </a:ln>
             <a:extLst>
               <a:ext uri="{91240B29-F687-4f45-9708-019B960494DF}">
-                <a14:hiddenLine xmlns="" xmlns:a14="http://schemas.microsoft.com/office/drawing/2010/main" w="9525">
+                <a14:hiddenLine xmlns:a14="http://schemas.microsoft.com/office/drawing/2010/main" xmlns="" w="9525">
                   <a:solidFill>
                     <a:srgbClr val="000000"/>
                   </a:solidFill>
@@ -1116,7 +1116,7 @@
             </a:ln>
             <a:extLst>
               <a:ext uri="{91240B29-F687-4f45-9708-019B960494DF}">
-                <a14:hiddenLine xmlns="" xmlns:a14="http://schemas.microsoft.com/office/drawing/2010/main" w="9525">
+                <a14:hiddenLine xmlns:a14="http://schemas.microsoft.com/office/drawing/2010/main" xmlns="" w="9525">
                   <a:solidFill>
                     <a:srgbClr val="000000"/>
                   </a:solidFill>
@@ -1226,7 +1226,7 @@
             </a:ln>
             <a:extLst>
               <a:ext uri="{91240B29-F687-4f45-9708-019B960494DF}">
-                <a14:hiddenLine xmlns="" xmlns:a14="http://schemas.microsoft.com/office/drawing/2010/main" w="9525">
+                <a14:hiddenLine xmlns:a14="http://schemas.microsoft.com/office/drawing/2010/main" xmlns="" w="9525">
                   <a:solidFill>
                     <a:srgbClr val="000000"/>
                   </a:solidFill>
@@ -1288,7 +1288,7 @@
             </a:ln>
             <a:extLst>
               <a:ext uri="{91240B29-F687-4f45-9708-019B960494DF}">
-                <a14:hiddenLine xmlns="" xmlns:a14="http://schemas.microsoft.com/office/drawing/2010/main" w="9525">
+                <a14:hiddenLine xmlns:a14="http://schemas.microsoft.com/office/drawing/2010/main" xmlns="" w="9525">
                   <a:solidFill>
                     <a:srgbClr val="000000"/>
                   </a:solidFill>
@@ -1378,7 +1378,7 @@
             </a:ln>
             <a:extLst>
               <a:ext uri="{91240B29-F687-4f45-9708-019B960494DF}">
-                <a14:hiddenLine xmlns="" xmlns:a14="http://schemas.microsoft.com/office/drawing/2010/main" w="9525">
+                <a14:hiddenLine xmlns:a14="http://schemas.microsoft.com/office/drawing/2010/main" xmlns="" w="9525">
                   <a:solidFill>
                     <a:srgbClr val="000000"/>
                   </a:solidFill>
@@ -1468,7 +1468,7 @@
             </a:ln>
             <a:extLst>
               <a:ext uri="{91240B29-F687-4f45-9708-019B960494DF}">
-                <a14:hiddenLine xmlns="" xmlns:a14="http://schemas.microsoft.com/office/drawing/2010/main" w="9525">
+                <a14:hiddenLine xmlns:a14="http://schemas.microsoft.com/office/drawing/2010/main" xmlns="" w="9525">
                   <a:solidFill>
                     <a:srgbClr val="000000"/>
                   </a:solidFill>
@@ -1530,7 +1530,7 @@
             </a:ln>
             <a:extLst>
               <a:ext uri="{91240B29-F687-4f45-9708-019B960494DF}">
-                <a14:hiddenLine xmlns="" xmlns:a14="http://schemas.microsoft.com/office/drawing/2010/main" w="9525">
+                <a14:hiddenLine xmlns:a14="http://schemas.microsoft.com/office/drawing/2010/main" xmlns="" w="9525">
                   <a:solidFill>
                     <a:srgbClr val="000000"/>
                   </a:solidFill>
@@ -1620,7 +1620,7 @@
             </a:ln>
             <a:extLst>
               <a:ext uri="{91240B29-F687-4f45-9708-019B960494DF}">
-                <a14:hiddenLine xmlns="" xmlns:a14="http://schemas.microsoft.com/office/drawing/2010/main" w="9525">
+                <a14:hiddenLine xmlns:a14="http://schemas.microsoft.com/office/drawing/2010/main" xmlns="" w="9525">
                   <a:solidFill>
                     <a:srgbClr val="000000"/>
                   </a:solidFill>
@@ -1710,7 +1710,7 @@
             </a:ln>
             <a:extLst>
               <a:ext uri="{91240B29-F687-4f45-9708-019B960494DF}">
-                <a14:hiddenLine xmlns="" xmlns:a14="http://schemas.microsoft.com/office/drawing/2010/main" w="9525">
+                <a14:hiddenLine xmlns:a14="http://schemas.microsoft.com/office/drawing/2010/main" xmlns="" w="9525">
                   <a:solidFill>
                     <a:srgbClr val="000000"/>
                   </a:solidFill>
@@ -1766,7 +1766,7 @@
             </a:ln>
             <a:extLst>
               <a:ext uri="{91240B29-F687-4f45-9708-019B960494DF}">
-                <a14:hiddenLine xmlns="" xmlns:a14="http://schemas.microsoft.com/office/drawing/2010/main" w="9525">
+                <a14:hiddenLine xmlns:a14="http://schemas.microsoft.com/office/drawing/2010/main" xmlns="" w="9525">
                   <a:solidFill>
                     <a:srgbClr val="000000"/>
                   </a:solidFill>
@@ -1856,7 +1856,7 @@
             </a:ln>
             <a:extLst>
               <a:ext uri="{91240B29-F687-4f45-9708-019B960494DF}">
-                <a14:hiddenLine xmlns="" xmlns:a14="http://schemas.microsoft.com/office/drawing/2010/main" w="9525">
+                <a14:hiddenLine xmlns:a14="http://schemas.microsoft.com/office/drawing/2010/main" xmlns="" w="9525">
                   <a:solidFill>
                     <a:srgbClr val="000000"/>
                   </a:solidFill>
@@ -1912,7 +1912,7 @@
             </a:ln>
             <a:extLst>
               <a:ext uri="{91240B29-F687-4f45-9708-019B960494DF}">
-                <a14:hiddenLine xmlns="" xmlns:a14="http://schemas.microsoft.com/office/drawing/2010/main" w="9525">
+                <a14:hiddenLine xmlns:a14="http://schemas.microsoft.com/office/drawing/2010/main" xmlns="" w="9525">
                   <a:solidFill>
                     <a:srgbClr val="000000"/>
                   </a:solidFill>
@@ -2002,7 +2002,7 @@
             </a:ln>
             <a:extLst>
               <a:ext uri="{91240B29-F687-4f45-9708-019B960494DF}">
-                <a14:hiddenLine xmlns="" xmlns:a14="http://schemas.microsoft.com/office/drawing/2010/main" w="9525">
+                <a14:hiddenLine xmlns:a14="http://schemas.microsoft.com/office/drawing/2010/main" xmlns="" w="9525">
                   <a:solidFill>
                     <a:srgbClr val="000000"/>
                   </a:solidFill>
@@ -2070,7 +2070,7 @@
             </a:ln>
             <a:extLst>
               <a:ext uri="{91240B29-F687-4f45-9708-019B960494DF}">
-                <a14:hiddenLine xmlns="" xmlns:a14="http://schemas.microsoft.com/office/drawing/2010/main" w="9525">
+                <a14:hiddenLine xmlns:a14="http://schemas.microsoft.com/office/drawing/2010/main" xmlns="" w="9525">
                   <a:solidFill>
                     <a:srgbClr val="000000"/>
                   </a:solidFill>
@@ -2160,7 +2160,7 @@
             </a:ln>
             <a:extLst>
               <a:ext uri="{91240B29-F687-4f45-9708-019B960494DF}">
-                <a14:hiddenLine xmlns="" xmlns:a14="http://schemas.microsoft.com/office/drawing/2010/main" w="9525">
+                <a14:hiddenLine xmlns:a14="http://schemas.microsoft.com/office/drawing/2010/main" xmlns="" w="9525">
                   <a:solidFill>
                     <a:srgbClr val="000000"/>
                   </a:solidFill>
@@ -2228,7 +2228,7 @@
             </a:ln>
             <a:extLst>
               <a:ext uri="{91240B29-F687-4f45-9708-019B960494DF}">
-                <a14:hiddenLine xmlns="" xmlns:a14="http://schemas.microsoft.com/office/drawing/2010/main" w="9525">
+                <a14:hiddenLine xmlns:a14="http://schemas.microsoft.com/office/drawing/2010/main" xmlns="" w="9525">
                   <a:solidFill>
                     <a:srgbClr val="000000"/>
                   </a:solidFill>
@@ -2318,7 +2318,7 @@
             </a:ln>
             <a:extLst>
               <a:ext uri="{91240B29-F687-4f45-9708-019B960494DF}">
-                <a14:hiddenLine xmlns="" xmlns:a14="http://schemas.microsoft.com/office/drawing/2010/main" w="9525">
+                <a14:hiddenLine xmlns:a14="http://schemas.microsoft.com/office/drawing/2010/main" xmlns="" w="9525">
                   <a:solidFill>
                     <a:srgbClr val="000000"/>
                   </a:solidFill>
@@ -2352,7 +2352,7 @@
             </a:ln>
             <a:extLst>
               <a:ext uri="{91240B29-F687-4f45-9708-019B960494DF}">
-                <a14:hiddenLine xmlns="" xmlns:a14="http://schemas.microsoft.com/office/drawing/2010/main" w="9525">
+                <a14:hiddenLine xmlns:a14="http://schemas.microsoft.com/office/drawing/2010/main" xmlns="" w="9525">
                   <a:solidFill>
                     <a:srgbClr val="000000"/>
                   </a:solidFill>
@@ -2442,7 +2442,7 @@
             </a:ln>
             <a:extLst>
               <a:ext uri="{91240B29-F687-4f45-9708-019B960494DF}">
-                <a14:hiddenLine xmlns="" xmlns:a14="http://schemas.microsoft.com/office/drawing/2010/main" w="9525">
+                <a14:hiddenLine xmlns:a14="http://schemas.microsoft.com/office/drawing/2010/main" xmlns="" w="9525">
                   <a:solidFill>
                     <a:srgbClr val="000000"/>
                   </a:solidFill>
@@ -2504,7 +2504,7 @@
             </a:ln>
             <a:extLst>
               <a:ext uri="{91240B29-F687-4f45-9708-019B960494DF}">
-                <a14:hiddenLine xmlns="" xmlns:a14="http://schemas.microsoft.com/office/drawing/2010/main" w="9525">
+                <a14:hiddenLine xmlns:a14="http://schemas.microsoft.com/office/drawing/2010/main" xmlns="" w="9525">
                   <a:solidFill>
                     <a:srgbClr val="000000"/>
                   </a:solidFill>
@@ -2566,7 +2566,7 @@
             </a:ln>
             <a:extLst>
               <a:ext uri="{91240B29-F687-4f45-9708-019B960494DF}">
-                <a14:hiddenLine xmlns="" xmlns:a14="http://schemas.microsoft.com/office/drawing/2010/main" w="9525">
+                <a14:hiddenLine xmlns:a14="http://schemas.microsoft.com/office/drawing/2010/main" xmlns="" w="9525">
                   <a:solidFill>
                     <a:srgbClr val="000000"/>
                   </a:solidFill>
@@ -2656,7 +2656,7 @@
             </a:ln>
             <a:extLst>
               <a:ext uri="{91240B29-F687-4f45-9708-019B960494DF}">
-                <a14:hiddenLine xmlns="" xmlns:a14="http://schemas.microsoft.com/office/drawing/2010/main" w="9525">
+                <a14:hiddenLine xmlns:a14="http://schemas.microsoft.com/office/drawing/2010/main" xmlns="" w="9525">
                   <a:solidFill>
                     <a:srgbClr val="000000"/>
                   </a:solidFill>
@@ -2724,7 +2724,7 @@
             </a:ln>
             <a:extLst>
               <a:ext uri="{91240B29-F687-4f45-9708-019B960494DF}">
-                <a14:hiddenLine xmlns="" xmlns:a14="http://schemas.microsoft.com/office/drawing/2010/main" w="9525">
+                <a14:hiddenLine xmlns:a14="http://schemas.microsoft.com/office/drawing/2010/main" xmlns="" w="9525">
                   <a:solidFill>
                     <a:srgbClr val="000000"/>
                   </a:solidFill>
@@ -2786,7 +2786,7 @@
             </a:ln>
             <a:extLst>
               <a:ext uri="{91240B29-F687-4f45-9708-019B960494DF}">
-                <a14:hiddenLine xmlns="" xmlns:a14="http://schemas.microsoft.com/office/drawing/2010/main" w="9525">
+                <a14:hiddenLine xmlns:a14="http://schemas.microsoft.com/office/drawing/2010/main" xmlns="" w="9525">
                   <a:solidFill>
                     <a:srgbClr val="000000"/>
                   </a:solidFill>
@@ -2876,7 +2876,7 @@
             </a:ln>
             <a:extLst>
               <a:ext uri="{91240B29-F687-4f45-9708-019B960494DF}">
-                <a14:hiddenLine xmlns="" xmlns:a14="http://schemas.microsoft.com/office/drawing/2010/main" w="9525">
+                <a14:hiddenLine xmlns:a14="http://schemas.microsoft.com/office/drawing/2010/main" xmlns="" w="9525">
                   <a:solidFill>
                     <a:srgbClr val="000000"/>
                   </a:solidFill>
@@ -2938,7 +2938,7 @@
             </a:ln>
             <a:extLst>
               <a:ext uri="{91240B29-F687-4f45-9708-019B960494DF}">
-                <a14:hiddenLine xmlns="" xmlns:a14="http://schemas.microsoft.com/office/drawing/2010/main" w="9525">
+                <a14:hiddenLine xmlns:a14="http://schemas.microsoft.com/office/drawing/2010/main" xmlns="" w="9525">
                   <a:solidFill>
                     <a:srgbClr val="000000"/>
                   </a:solidFill>
@@ -3028,7 +3028,7 @@
             </a:ln>
             <a:extLst>
               <a:ext uri="{91240B29-F687-4f45-9708-019B960494DF}">
-                <a14:hiddenLine xmlns="" xmlns:a14="http://schemas.microsoft.com/office/drawing/2010/main" w="9525">
+                <a14:hiddenLine xmlns:a14="http://schemas.microsoft.com/office/drawing/2010/main" xmlns="" w="9525">
                   <a:solidFill>
                     <a:srgbClr val="000000"/>
                   </a:solidFill>
@@ -3090,7 +3090,7 @@
             </a:ln>
             <a:extLst>
               <a:ext uri="{91240B29-F687-4f45-9708-019B960494DF}">
-                <a14:hiddenLine xmlns="" xmlns:a14="http://schemas.microsoft.com/office/drawing/2010/main" w="9525">
+                <a14:hiddenLine xmlns:a14="http://schemas.microsoft.com/office/drawing/2010/main" xmlns="" w="9525">
                   <a:solidFill>
                     <a:srgbClr val="000000"/>
                   </a:solidFill>
@@ -3180,7 +3180,7 @@
             </a:ln>
             <a:extLst>
               <a:ext uri="{91240B29-F687-4f45-9708-019B960494DF}">
-                <a14:hiddenLine xmlns="" xmlns:a14="http://schemas.microsoft.com/office/drawing/2010/main" w="9525">
+                <a14:hiddenLine xmlns:a14="http://schemas.microsoft.com/office/drawing/2010/main" xmlns="" w="9525">
                   <a:solidFill>
                     <a:srgbClr val="000000"/>
                   </a:solidFill>
@@ -3214,7 +3214,7 @@
             </a:ln>
             <a:extLst>
               <a:ext uri="{91240B29-F687-4f45-9708-019B960494DF}">
-                <a14:hiddenLine xmlns="" xmlns:a14="http://schemas.microsoft.com/office/drawing/2010/main" w="9525">
+                <a14:hiddenLine xmlns:a14="http://schemas.microsoft.com/office/drawing/2010/main" xmlns="" w="9525">
                   <a:solidFill>
                     <a:srgbClr val="000000"/>
                   </a:solidFill>
@@ -3279,7 +3279,7 @@
             </a:ln>
             <a:extLst>
               <a:ext uri="{91240B29-F687-4f45-9708-019B960494DF}">
-                <a14:hiddenLine xmlns="" xmlns:a14="http://schemas.microsoft.com/office/drawing/2010/main" w="9525">
+                <a14:hiddenLine xmlns:a14="http://schemas.microsoft.com/office/drawing/2010/main" xmlns="" w="9525">
                   <a:solidFill>
                     <a:srgbClr val="000000"/>
                   </a:solidFill>
@@ -3369,7 +3369,7 @@
             </a:ln>
             <a:extLst>
               <a:ext uri="{91240B29-F687-4f45-9708-019B960494DF}">
-                <a14:hiddenLine xmlns="" xmlns:a14="http://schemas.microsoft.com/office/drawing/2010/main" w="9525">
+                <a14:hiddenLine xmlns:a14="http://schemas.microsoft.com/office/drawing/2010/main" xmlns="" w="9525">
                   <a:solidFill>
                     <a:srgbClr val="000000"/>
                   </a:solidFill>
@@ -3431,7 +3431,7 @@
             </a:ln>
             <a:extLst>
               <a:ext uri="{91240B29-F687-4f45-9708-019B960494DF}">
-                <a14:hiddenLine xmlns="" xmlns:a14="http://schemas.microsoft.com/office/drawing/2010/main" w="9525">
+                <a14:hiddenLine xmlns:a14="http://schemas.microsoft.com/office/drawing/2010/main" xmlns="" w="9525">
                   <a:solidFill>
                     <a:srgbClr val="000000"/>
                   </a:solidFill>
@@ -3521,7 +3521,7 @@
             </a:ln>
             <a:extLst>
               <a:ext uri="{91240B29-F687-4f45-9708-019B960494DF}">
-                <a14:hiddenLine xmlns="" xmlns:a14="http://schemas.microsoft.com/office/drawing/2010/main" w="9525">
+                <a14:hiddenLine xmlns:a14="http://schemas.microsoft.com/office/drawing/2010/main" xmlns="" w="9525">
                   <a:solidFill>
                     <a:srgbClr val="000000"/>
                   </a:solidFill>
@@ -3611,7 +3611,7 @@
             </a:ln>
             <a:extLst>
               <a:ext uri="{91240B29-F687-4f45-9708-019B960494DF}">
-                <a14:hiddenLine xmlns="" xmlns:a14="http://schemas.microsoft.com/office/drawing/2010/main" w="9525">
+                <a14:hiddenLine xmlns:a14="http://schemas.microsoft.com/office/drawing/2010/main" xmlns="" w="9525">
                   <a:solidFill>
                     <a:srgbClr val="000000"/>
                   </a:solidFill>
@@ -3676,7 +3676,7 @@
             </a:ln>
             <a:extLst>
               <a:ext uri="{91240B29-F687-4f45-9708-019B960494DF}">
-                <a14:hiddenLine xmlns="" xmlns:a14="http://schemas.microsoft.com/office/drawing/2010/main" w="9525">
+                <a14:hiddenLine xmlns:a14="http://schemas.microsoft.com/office/drawing/2010/main" xmlns="" w="9525">
                   <a:solidFill>
                     <a:srgbClr val="000000"/>
                   </a:solidFill>
@@ -3738,7 +3738,7 @@
             </a:ln>
             <a:extLst>
               <a:ext uri="{91240B29-F687-4f45-9708-019B960494DF}">
-                <a14:hiddenLine xmlns="" xmlns:a14="http://schemas.microsoft.com/office/drawing/2010/main" w="9525">
+                <a14:hiddenLine xmlns:a14="http://schemas.microsoft.com/office/drawing/2010/main" xmlns="" w="9525">
                   <a:solidFill>
                     <a:srgbClr val="000000"/>
                   </a:solidFill>
@@ -3828,7 +3828,7 @@
             </a:ln>
             <a:extLst>
               <a:ext uri="{91240B29-F687-4f45-9708-019B960494DF}">
-                <a14:hiddenLine xmlns="" xmlns:a14="http://schemas.microsoft.com/office/drawing/2010/main" w="9525">
+                <a14:hiddenLine xmlns:a14="http://schemas.microsoft.com/office/drawing/2010/main" xmlns="" w="9525">
                   <a:solidFill>
                     <a:srgbClr val="000000"/>
                   </a:solidFill>
@@ -3918,7 +3918,7 @@
             </a:ln>
             <a:extLst>
               <a:ext uri="{91240B29-F687-4f45-9708-019B960494DF}">
-                <a14:hiddenLine xmlns="" xmlns:a14="http://schemas.microsoft.com/office/drawing/2010/main" w="9525">
+                <a14:hiddenLine xmlns:a14="http://schemas.microsoft.com/office/drawing/2010/main" xmlns="" w="9525">
                   <a:solidFill>
                     <a:srgbClr val="000000"/>
                   </a:solidFill>
@@ -3980,7 +3980,7 @@
             </a:ln>
             <a:extLst>
               <a:ext uri="{91240B29-F687-4f45-9708-019B960494DF}">
-                <a14:hiddenLine xmlns="" xmlns:a14="http://schemas.microsoft.com/office/drawing/2010/main" w="9525">
+                <a14:hiddenLine xmlns:a14="http://schemas.microsoft.com/office/drawing/2010/main" xmlns="" w="9525">
                   <a:solidFill>
                     <a:srgbClr val="000000"/>
                   </a:solidFill>
@@ -4100,7 +4100,7 @@
             </a:ln>
             <a:extLst>
               <a:ext uri="{91240B29-F687-4f45-9708-019B960494DF}">
-                <a14:hiddenLine xmlns="" xmlns:a14="http://schemas.microsoft.com/office/drawing/2010/main" w="9525">
+                <a14:hiddenLine xmlns:a14="http://schemas.microsoft.com/office/drawing/2010/main" xmlns="" w="9525">
                   <a:solidFill>
                     <a:srgbClr val="000000"/>
                   </a:solidFill>
@@ -4168,7 +4168,7 @@
             </a:ln>
             <a:extLst>
               <a:ext uri="{91240B29-F687-4f45-9708-019B960494DF}">
-                <a14:hiddenLine xmlns="" xmlns:a14="http://schemas.microsoft.com/office/drawing/2010/main" w="9525">
+                <a14:hiddenLine xmlns:a14="http://schemas.microsoft.com/office/drawing/2010/main" xmlns="" w="9525">
                   <a:solidFill>
                     <a:srgbClr val="000000"/>
                   </a:solidFill>
@@ -4258,7 +4258,7 @@
             </a:ln>
             <a:extLst>
               <a:ext uri="{91240B29-F687-4f45-9708-019B960494DF}">
-                <a14:hiddenLine xmlns="" xmlns:a14="http://schemas.microsoft.com/office/drawing/2010/main" w="9525">
+                <a14:hiddenLine xmlns:a14="http://schemas.microsoft.com/office/drawing/2010/main" xmlns="" w="9525">
                   <a:solidFill>
                     <a:srgbClr val="000000"/>
                   </a:solidFill>
@@ -4398,7 +4398,7 @@
           <a:p>
             <a:fld id="{B265AB03-70D4-45B4-A6EE-915CBB3D6A3D}" type="datetimeFigureOut">
               <a:rPr kumimoji="1" lang="ja-JP" altLang="en-US" smtClean="0"/>
-              <a:t>2022/5/29</a:t>
+              <a:t>2022/6/29</a:t>
             </a:fld>
             <a:endParaRPr kumimoji="1" lang="ja-JP" altLang="en-US"/>
           </a:p>
@@ -4665,7 +4665,7 @@
           <a:p>
             <a:fld id="{B265AB03-70D4-45B4-A6EE-915CBB3D6A3D}" type="datetimeFigureOut">
               <a:rPr kumimoji="1" lang="ja-JP" altLang="en-US" smtClean="0"/>
-              <a:t>2022/5/29</a:t>
+              <a:t>2022/6/29</a:t>
             </a:fld>
             <a:endParaRPr kumimoji="1" lang="ja-JP" altLang="en-US"/>
           </a:p>
@@ -4861,7 +4861,7 @@
           <a:p>
             <a:fld id="{B265AB03-70D4-45B4-A6EE-915CBB3D6A3D}" type="datetimeFigureOut">
               <a:rPr kumimoji="1" lang="ja-JP" altLang="en-US" smtClean="0"/>
-              <a:t>2022/5/29</a:t>
+              <a:t>2022/6/29</a:t>
             </a:fld>
             <a:endParaRPr kumimoji="1" lang="ja-JP" altLang="en-US"/>
           </a:p>
@@ -5124,7 +5124,7 @@
           <a:p>
             <a:fld id="{B265AB03-70D4-45B4-A6EE-915CBB3D6A3D}" type="datetimeFigureOut">
               <a:rPr kumimoji="1" lang="ja-JP" altLang="en-US" smtClean="0"/>
-              <a:t>2022/5/29</a:t>
+              <a:t>2022/6/29</a:t>
             </a:fld>
             <a:endParaRPr kumimoji="1" lang="ja-JP" altLang="en-US"/>
           </a:p>
@@ -5558,7 +5558,7 @@
           <a:p>
             <a:fld id="{B265AB03-70D4-45B4-A6EE-915CBB3D6A3D}" type="datetimeFigureOut">
               <a:rPr kumimoji="1" lang="ja-JP" altLang="en-US" smtClean="0"/>
-              <a:t>2022/5/29</a:t>
+              <a:t>2022/6/29</a:t>
             </a:fld>
             <a:endParaRPr kumimoji="1" lang="ja-JP" altLang="en-US"/>
           </a:p>
@@ -6104,7 +6104,7 @@
           <a:p>
             <a:fld id="{B265AB03-70D4-45B4-A6EE-915CBB3D6A3D}" type="datetimeFigureOut">
               <a:rPr kumimoji="1" lang="ja-JP" altLang="en-US" smtClean="0"/>
-              <a:t>2022/5/29</a:t>
+              <a:t>2022/6/29</a:t>
             </a:fld>
             <a:endParaRPr kumimoji="1" lang="ja-JP" altLang="en-US"/>
           </a:p>
@@ -6824,7 +6824,7 @@
           <a:p>
             <a:fld id="{B265AB03-70D4-45B4-A6EE-915CBB3D6A3D}" type="datetimeFigureOut">
               <a:rPr kumimoji="1" lang="ja-JP" altLang="en-US" smtClean="0"/>
-              <a:t>2022/5/29</a:t>
+              <a:t>2022/6/29</a:t>
             </a:fld>
             <a:endParaRPr kumimoji="1" lang="ja-JP" altLang="en-US"/>
           </a:p>
@@ -7026,7 +7026,7 @@
           <a:p>
             <a:fld id="{B265AB03-70D4-45B4-A6EE-915CBB3D6A3D}" type="datetimeFigureOut">
               <a:rPr kumimoji="1" lang="ja-JP" altLang="en-US" smtClean="0"/>
-              <a:t>2022/5/29</a:t>
+              <a:t>2022/6/29</a:t>
             </a:fld>
             <a:endParaRPr kumimoji="1" lang="ja-JP" altLang="en-US"/>
           </a:p>
@@ -7238,7 +7238,7 @@
           <a:p>
             <a:fld id="{B265AB03-70D4-45B4-A6EE-915CBB3D6A3D}" type="datetimeFigureOut">
               <a:rPr kumimoji="1" lang="ja-JP" altLang="en-US" smtClean="0"/>
-              <a:t>2022/5/29</a:t>
+              <a:t>2022/6/29</a:t>
             </a:fld>
             <a:endParaRPr kumimoji="1" lang="ja-JP" altLang="en-US"/>
           </a:p>
@@ -7440,7 +7440,7 @@
           <a:p>
             <a:fld id="{B265AB03-70D4-45B4-A6EE-915CBB3D6A3D}" type="datetimeFigureOut">
               <a:rPr kumimoji="1" lang="ja-JP" altLang="en-US" smtClean="0"/>
-              <a:t>2022/5/29</a:t>
+              <a:t>2022/6/29</a:t>
             </a:fld>
             <a:endParaRPr kumimoji="1" lang="ja-JP" altLang="en-US"/>
           </a:p>
@@ -7690,7 +7690,7 @@
           <a:p>
             <a:fld id="{B265AB03-70D4-45B4-A6EE-915CBB3D6A3D}" type="datetimeFigureOut">
               <a:rPr kumimoji="1" lang="ja-JP" altLang="en-US" smtClean="0"/>
-              <a:t>2022/5/29</a:t>
+              <a:t>2022/6/29</a:t>
             </a:fld>
             <a:endParaRPr kumimoji="1" lang="ja-JP" altLang="en-US"/>
           </a:p>
@@ -7986,7 +7986,7 @@
           <a:p>
             <a:fld id="{B265AB03-70D4-45B4-A6EE-915CBB3D6A3D}" type="datetimeFigureOut">
               <a:rPr kumimoji="1" lang="ja-JP" altLang="en-US" smtClean="0"/>
-              <a:t>2022/5/29</a:t>
+              <a:t>2022/6/29</a:t>
             </a:fld>
             <a:endParaRPr kumimoji="1" lang="ja-JP" altLang="en-US"/>
           </a:p>
@@ -8431,7 +8431,7 @@
           <a:p>
             <a:fld id="{B265AB03-70D4-45B4-A6EE-915CBB3D6A3D}" type="datetimeFigureOut">
               <a:rPr kumimoji="1" lang="ja-JP" altLang="en-US" smtClean="0"/>
-              <a:t>2022/5/29</a:t>
+              <a:t>2022/6/29</a:t>
             </a:fld>
             <a:endParaRPr kumimoji="1" lang="ja-JP" altLang="en-US"/>
           </a:p>
@@ -8549,7 +8549,7 @@
           <a:p>
             <a:fld id="{B265AB03-70D4-45B4-A6EE-915CBB3D6A3D}" type="datetimeFigureOut">
               <a:rPr kumimoji="1" lang="ja-JP" altLang="en-US" smtClean="0"/>
-              <a:t>2022/5/29</a:t>
+              <a:t>2022/6/29</a:t>
             </a:fld>
             <a:endParaRPr kumimoji="1" lang="ja-JP" altLang="en-US"/>
           </a:p>
@@ -8644,7 +8644,7 @@
           <a:p>
             <a:fld id="{B265AB03-70D4-45B4-A6EE-915CBB3D6A3D}" type="datetimeFigureOut">
               <a:rPr kumimoji="1" lang="ja-JP" altLang="en-US" smtClean="0"/>
-              <a:t>2022/5/29</a:t>
+              <a:t>2022/6/29</a:t>
             </a:fld>
             <a:endParaRPr kumimoji="1" lang="ja-JP" altLang="en-US"/>
           </a:p>
@@ -8925,7 +8925,7 @@
           <a:p>
             <a:fld id="{B265AB03-70D4-45B4-A6EE-915CBB3D6A3D}" type="datetimeFigureOut">
               <a:rPr kumimoji="1" lang="ja-JP" altLang="en-US" smtClean="0"/>
-              <a:t>2022/5/29</a:t>
+              <a:t>2022/6/29</a:t>
             </a:fld>
             <a:endParaRPr kumimoji="1" lang="ja-JP" altLang="en-US"/>
           </a:p>
@@ -9205,7 +9205,7 @@
           <a:p>
             <a:fld id="{B265AB03-70D4-45B4-A6EE-915CBB3D6A3D}" type="datetimeFigureOut">
               <a:rPr kumimoji="1" lang="ja-JP" altLang="en-US" smtClean="0"/>
-              <a:t>2022/5/29</a:t>
+              <a:t>2022/6/29</a:t>
             </a:fld>
             <a:endParaRPr kumimoji="1" lang="ja-JP" altLang="en-US"/>
           </a:p>
@@ -9328,7 +9328,7 @@
           <a:noFill/>
           <a:extLst>
             <a:ext uri="{909E8E84-426E-40dd-AFC4-6F175D3DCCD1}">
-              <a14:hiddenFill xmlns="" xmlns:a14="http://schemas.microsoft.com/office/drawing/2010/main">
+              <a14:hiddenFill xmlns:a14="http://schemas.microsoft.com/office/drawing/2010/main" xmlns="">
                 <a:solidFill>
                   <a:srgbClr val="FFFFFF"/>
                 </a:solidFill>
@@ -9402,7 +9402,7 @@
               </a:ln>
               <a:extLst>
                 <a:ext uri="{91240B29-F687-4f45-9708-019B960494DF}">
-                  <a14:hiddenLine xmlns="" xmlns:a14="http://schemas.microsoft.com/office/drawing/2010/main" w="9525">
+                  <a14:hiddenLine xmlns:a14="http://schemas.microsoft.com/office/drawing/2010/main" xmlns="" w="9525">
                     <a:solidFill>
                       <a:srgbClr val="000000"/>
                     </a:solidFill>
@@ -9492,7 +9492,7 @@
               </a:ln>
               <a:extLst>
                 <a:ext uri="{91240B29-F687-4f45-9708-019B960494DF}">
-                  <a14:hiddenLine xmlns="" xmlns:a14="http://schemas.microsoft.com/office/drawing/2010/main" w="9525">
+                  <a14:hiddenLine xmlns:a14="http://schemas.microsoft.com/office/drawing/2010/main" xmlns="" w="9525">
                     <a:solidFill>
                       <a:srgbClr val="000000"/>
                     </a:solidFill>
@@ -9582,7 +9582,7 @@
               </a:ln>
               <a:extLst>
                 <a:ext uri="{91240B29-F687-4f45-9708-019B960494DF}">
-                  <a14:hiddenLine xmlns="" xmlns:a14="http://schemas.microsoft.com/office/drawing/2010/main" w="9525">
+                  <a14:hiddenLine xmlns:a14="http://schemas.microsoft.com/office/drawing/2010/main" xmlns="" w="9525">
                     <a:solidFill>
                       <a:srgbClr val="000000"/>
                     </a:solidFill>
@@ -9644,7 +9644,7 @@
               </a:ln>
               <a:extLst>
                 <a:ext uri="{91240B29-F687-4f45-9708-019B960494DF}">
-                  <a14:hiddenLine xmlns="" xmlns:a14="http://schemas.microsoft.com/office/drawing/2010/main" w="9525">
+                  <a14:hiddenLine xmlns:a14="http://schemas.microsoft.com/office/drawing/2010/main" xmlns="" w="9525">
                     <a:solidFill>
                       <a:srgbClr val="000000"/>
                     </a:solidFill>
@@ -9734,7 +9734,7 @@
               </a:ln>
               <a:extLst>
                 <a:ext uri="{91240B29-F687-4f45-9708-019B960494DF}">
-                  <a14:hiddenLine xmlns="" xmlns:a14="http://schemas.microsoft.com/office/drawing/2010/main" w="9525">
+                  <a14:hiddenLine xmlns:a14="http://schemas.microsoft.com/office/drawing/2010/main" xmlns="" w="9525">
                     <a:solidFill>
                       <a:srgbClr val="000000"/>
                     </a:solidFill>
@@ -9796,7 +9796,7 @@
               </a:ln>
               <a:extLst>
                 <a:ext uri="{91240B29-F687-4f45-9708-019B960494DF}">
-                  <a14:hiddenLine xmlns="" xmlns:a14="http://schemas.microsoft.com/office/drawing/2010/main" w="9525">
+                  <a14:hiddenLine xmlns:a14="http://schemas.microsoft.com/office/drawing/2010/main" xmlns="" w="9525">
                     <a:solidFill>
                       <a:srgbClr val="000000"/>
                     </a:solidFill>
@@ -9858,7 +9858,7 @@
               </a:ln>
               <a:extLst>
                 <a:ext uri="{91240B29-F687-4f45-9708-019B960494DF}">
-                  <a14:hiddenLine xmlns="" xmlns:a14="http://schemas.microsoft.com/office/drawing/2010/main" w="9525">
+                  <a14:hiddenLine xmlns:a14="http://schemas.microsoft.com/office/drawing/2010/main" xmlns="" w="9525">
                     <a:solidFill>
                       <a:srgbClr val="000000"/>
                     </a:solidFill>
@@ -9948,7 +9948,7 @@
               </a:ln>
               <a:extLst>
                 <a:ext uri="{91240B29-F687-4f45-9708-019B960494DF}">
-                  <a14:hiddenLine xmlns="" xmlns:a14="http://schemas.microsoft.com/office/drawing/2010/main" w="9525">
+                  <a14:hiddenLine xmlns:a14="http://schemas.microsoft.com/office/drawing/2010/main" xmlns="" w="9525">
                     <a:solidFill>
                       <a:srgbClr val="000000"/>
                     </a:solidFill>
@@ -10038,7 +10038,7 @@
               </a:ln>
               <a:extLst>
                 <a:ext uri="{91240B29-F687-4f45-9708-019B960494DF}">
-                  <a14:hiddenLine xmlns="" xmlns:a14="http://schemas.microsoft.com/office/drawing/2010/main" w="9525">
+                  <a14:hiddenLine xmlns:a14="http://schemas.microsoft.com/office/drawing/2010/main" xmlns="" w="9525">
                     <a:solidFill>
                       <a:srgbClr val="000000"/>
                     </a:solidFill>
@@ -10100,7 +10100,7 @@
               </a:ln>
               <a:extLst>
                 <a:ext uri="{91240B29-F687-4f45-9708-019B960494DF}">
-                  <a14:hiddenLine xmlns="" xmlns:a14="http://schemas.microsoft.com/office/drawing/2010/main" w="9525">
+                  <a14:hiddenLine xmlns:a14="http://schemas.microsoft.com/office/drawing/2010/main" xmlns="" w="9525">
                     <a:solidFill>
                       <a:srgbClr val="000000"/>
                     </a:solidFill>
@@ -10210,7 +10210,7 @@
               </a:ln>
               <a:extLst>
                 <a:ext uri="{91240B29-F687-4f45-9708-019B960494DF}">
-                  <a14:hiddenLine xmlns="" xmlns:a14="http://schemas.microsoft.com/office/drawing/2010/main" w="9525">
+                  <a14:hiddenLine xmlns:a14="http://schemas.microsoft.com/office/drawing/2010/main" xmlns="" w="9525">
                     <a:solidFill>
                       <a:srgbClr val="000000"/>
                     </a:solidFill>
@@ -10294,7 +10294,7 @@
               </a:ln>
               <a:extLst>
                 <a:ext uri="{91240B29-F687-4f45-9708-019B960494DF}">
-                  <a14:hiddenLine xmlns="" xmlns:a14="http://schemas.microsoft.com/office/drawing/2010/main" w="9525">
+                  <a14:hiddenLine xmlns:a14="http://schemas.microsoft.com/office/drawing/2010/main" xmlns="" w="9525">
                     <a:solidFill>
                       <a:srgbClr val="000000"/>
                     </a:solidFill>
@@ -10356,7 +10356,7 @@
               </a:ln>
               <a:extLst>
                 <a:ext uri="{91240B29-F687-4f45-9708-019B960494DF}">
-                  <a14:hiddenLine xmlns="" xmlns:a14="http://schemas.microsoft.com/office/drawing/2010/main" w="9525">
+                  <a14:hiddenLine xmlns:a14="http://schemas.microsoft.com/office/drawing/2010/main" xmlns="" w="9525">
                     <a:solidFill>
                       <a:srgbClr val="000000"/>
                     </a:solidFill>
@@ -10418,7 +10418,7 @@
               </a:ln>
               <a:extLst>
                 <a:ext uri="{91240B29-F687-4f45-9708-019B960494DF}">
-                  <a14:hiddenLine xmlns="" xmlns:a14="http://schemas.microsoft.com/office/drawing/2010/main" w="9525">
+                  <a14:hiddenLine xmlns:a14="http://schemas.microsoft.com/office/drawing/2010/main" xmlns="" w="9525">
                     <a:solidFill>
                       <a:srgbClr val="000000"/>
                     </a:solidFill>
@@ -10508,7 +10508,7 @@
               </a:ln>
               <a:extLst>
                 <a:ext uri="{91240B29-F687-4f45-9708-019B960494DF}">
-                  <a14:hiddenLine xmlns="" xmlns:a14="http://schemas.microsoft.com/office/drawing/2010/main" w="9525">
+                  <a14:hiddenLine xmlns:a14="http://schemas.microsoft.com/office/drawing/2010/main" xmlns="" w="9525">
                     <a:solidFill>
                       <a:srgbClr val="000000"/>
                     </a:solidFill>
@@ -10542,7 +10542,7 @@
               </a:ln>
               <a:extLst>
                 <a:ext uri="{91240B29-F687-4f45-9708-019B960494DF}">
-                  <a14:hiddenLine xmlns="" xmlns:a14="http://schemas.microsoft.com/office/drawing/2010/main" w="9525">
+                  <a14:hiddenLine xmlns:a14="http://schemas.microsoft.com/office/drawing/2010/main" xmlns="" w="9525">
                     <a:solidFill>
                       <a:srgbClr val="000000"/>
                     </a:solidFill>
@@ -10607,7 +10607,7 @@
               </a:ln>
               <a:extLst>
                 <a:ext uri="{91240B29-F687-4f45-9708-019B960494DF}">
-                  <a14:hiddenLine xmlns="" xmlns:a14="http://schemas.microsoft.com/office/drawing/2010/main" w="9525">
+                  <a14:hiddenLine xmlns:a14="http://schemas.microsoft.com/office/drawing/2010/main" xmlns="" w="9525">
                     <a:solidFill>
                       <a:srgbClr val="000000"/>
                     </a:solidFill>
@@ -10697,7 +10697,7 @@
               </a:ln>
               <a:extLst>
                 <a:ext uri="{91240B29-F687-4f45-9708-019B960494DF}">
-                  <a14:hiddenLine xmlns="" xmlns:a14="http://schemas.microsoft.com/office/drawing/2010/main" w="9525">
+                  <a14:hiddenLine xmlns:a14="http://schemas.microsoft.com/office/drawing/2010/main" xmlns="" w="9525">
                     <a:solidFill>
                       <a:srgbClr val="000000"/>
                     </a:solidFill>
@@ -10759,7 +10759,7 @@
               </a:ln>
               <a:extLst>
                 <a:ext uri="{91240B29-F687-4f45-9708-019B960494DF}">
-                  <a14:hiddenLine xmlns="" xmlns:a14="http://schemas.microsoft.com/office/drawing/2010/main" w="9525">
+                  <a14:hiddenLine xmlns:a14="http://schemas.microsoft.com/office/drawing/2010/main" xmlns="" w="9525">
                     <a:solidFill>
                       <a:srgbClr val="000000"/>
                     </a:solidFill>
@@ -10849,7 +10849,7 @@
               </a:ln>
               <a:extLst>
                 <a:ext uri="{91240B29-F687-4f45-9708-019B960494DF}">
-                  <a14:hiddenLine xmlns="" xmlns:a14="http://schemas.microsoft.com/office/drawing/2010/main" w="9525">
+                  <a14:hiddenLine xmlns:a14="http://schemas.microsoft.com/office/drawing/2010/main" xmlns="" w="9525">
                     <a:solidFill>
                       <a:srgbClr val="000000"/>
                     </a:solidFill>
@@ -10914,7 +10914,7 @@
               </a:ln>
               <a:extLst>
                 <a:ext uri="{91240B29-F687-4f45-9708-019B960494DF}">
-                  <a14:hiddenLine xmlns="" xmlns:a14="http://schemas.microsoft.com/office/drawing/2010/main" w="9525">
+                  <a14:hiddenLine xmlns:a14="http://schemas.microsoft.com/office/drawing/2010/main" xmlns="" w="9525">
                     <a:solidFill>
                       <a:srgbClr val="000000"/>
                     </a:solidFill>
@@ -10976,7 +10976,7 @@
               </a:ln>
               <a:extLst>
                 <a:ext uri="{91240B29-F687-4f45-9708-019B960494DF}">
-                  <a14:hiddenLine xmlns="" xmlns:a14="http://schemas.microsoft.com/office/drawing/2010/main" w="9525">
+                  <a14:hiddenLine xmlns:a14="http://schemas.microsoft.com/office/drawing/2010/main" xmlns="" w="9525">
                     <a:solidFill>
                       <a:srgbClr val="000000"/>
                     </a:solidFill>
@@ -11066,7 +11066,7 @@
               </a:ln>
               <a:extLst>
                 <a:ext uri="{91240B29-F687-4f45-9708-019B960494DF}">
-                  <a14:hiddenLine xmlns="" xmlns:a14="http://schemas.microsoft.com/office/drawing/2010/main" w="9525">
+                  <a14:hiddenLine xmlns:a14="http://schemas.microsoft.com/office/drawing/2010/main" xmlns="" w="9525">
                     <a:solidFill>
                       <a:srgbClr val="000000"/>
                     </a:solidFill>
@@ -11156,7 +11156,7 @@
               </a:ln>
               <a:extLst>
                 <a:ext uri="{91240B29-F687-4f45-9708-019B960494DF}">
-                  <a14:hiddenLine xmlns="" xmlns:a14="http://schemas.microsoft.com/office/drawing/2010/main" w="9525">
+                  <a14:hiddenLine xmlns:a14="http://schemas.microsoft.com/office/drawing/2010/main" xmlns="" w="9525">
                     <a:solidFill>
                       <a:srgbClr val="000000"/>
                     </a:solidFill>
@@ -11221,7 +11221,7 @@
               </a:ln>
               <a:extLst>
                 <a:ext uri="{91240B29-F687-4f45-9708-019B960494DF}">
-                  <a14:hiddenLine xmlns="" xmlns:a14="http://schemas.microsoft.com/office/drawing/2010/main" w="9525">
+                  <a14:hiddenLine xmlns:a14="http://schemas.microsoft.com/office/drawing/2010/main" xmlns="" w="9525">
                     <a:solidFill>
                       <a:srgbClr val="000000"/>
                     </a:solidFill>
@@ -11341,7 +11341,7 @@
               </a:ln>
               <a:extLst>
                 <a:ext uri="{91240B29-F687-4f45-9708-019B960494DF}">
-                  <a14:hiddenLine xmlns="" xmlns:a14="http://schemas.microsoft.com/office/drawing/2010/main" w="9525">
+                  <a14:hiddenLine xmlns:a14="http://schemas.microsoft.com/office/drawing/2010/main" xmlns="" w="9525">
                     <a:solidFill>
                       <a:srgbClr val="000000"/>
                     </a:solidFill>
@@ -11422,7 +11422,7 @@
               </a:ln>
               <a:extLst>
                 <a:ext uri="{91240B29-F687-4f45-9708-019B960494DF}">
-                  <a14:hiddenLine xmlns="" xmlns:a14="http://schemas.microsoft.com/office/drawing/2010/main" w="9525">
+                  <a14:hiddenLine xmlns:a14="http://schemas.microsoft.com/office/drawing/2010/main" xmlns="" w="9525">
                     <a:solidFill>
                       <a:srgbClr val="000000"/>
                     </a:solidFill>
@@ -11537,7 +11537,7 @@
               </a:ln>
               <a:extLst>
                 <a:ext uri="{91240B29-F687-4f45-9708-019B960494DF}">
-                  <a14:hiddenLine xmlns="" xmlns:a14="http://schemas.microsoft.com/office/drawing/2010/main" w="9525">
+                  <a14:hiddenLine xmlns:a14="http://schemas.microsoft.com/office/drawing/2010/main" xmlns="" w="9525">
                     <a:solidFill>
                       <a:srgbClr val="000000"/>
                     </a:solidFill>
@@ -11627,7 +11627,7 @@
               </a:ln>
               <a:extLst>
                 <a:ext uri="{91240B29-F687-4f45-9708-019B960494DF}">
-                  <a14:hiddenLine xmlns="" xmlns:a14="http://schemas.microsoft.com/office/drawing/2010/main" w="9525">
+                  <a14:hiddenLine xmlns:a14="http://schemas.microsoft.com/office/drawing/2010/main" xmlns="" w="9525">
                     <a:solidFill>
                       <a:srgbClr val="000000"/>
                     </a:solidFill>
@@ -11692,7 +11692,7 @@
               </a:ln>
               <a:extLst>
                 <a:ext uri="{91240B29-F687-4f45-9708-019B960494DF}">
-                  <a14:hiddenLine xmlns="" xmlns:a14="http://schemas.microsoft.com/office/drawing/2010/main" w="9525">
+                  <a14:hiddenLine xmlns:a14="http://schemas.microsoft.com/office/drawing/2010/main" xmlns="" w="9525">
                     <a:solidFill>
                       <a:srgbClr val="000000"/>
                     </a:solidFill>
@@ -11782,7 +11782,7 @@
               </a:ln>
               <a:extLst>
                 <a:ext uri="{91240B29-F687-4f45-9708-019B960494DF}">
-                  <a14:hiddenLine xmlns="" xmlns:a14="http://schemas.microsoft.com/office/drawing/2010/main" w="9525">
+                  <a14:hiddenLine xmlns:a14="http://schemas.microsoft.com/office/drawing/2010/main" xmlns="" w="9525">
                     <a:solidFill>
                       <a:srgbClr val="000000"/>
                     </a:solidFill>
@@ -11850,7 +11850,7 @@
               </a:ln>
               <a:extLst>
                 <a:ext uri="{91240B29-F687-4f45-9708-019B960494DF}">
-                  <a14:hiddenLine xmlns="" xmlns:a14="http://schemas.microsoft.com/office/drawing/2010/main" w="9525">
+                  <a14:hiddenLine xmlns:a14="http://schemas.microsoft.com/office/drawing/2010/main" xmlns="" w="9525">
                     <a:solidFill>
                       <a:srgbClr val="000000"/>
                     </a:solidFill>
@@ -11940,7 +11940,7 @@
               </a:ln>
               <a:extLst>
                 <a:ext uri="{91240B29-F687-4f45-9708-019B960494DF}">
-                  <a14:hiddenLine xmlns="" xmlns:a14="http://schemas.microsoft.com/office/drawing/2010/main" w="9525">
+                  <a14:hiddenLine xmlns:a14="http://schemas.microsoft.com/office/drawing/2010/main" xmlns="" w="9525">
                     <a:solidFill>
                       <a:srgbClr val="000000"/>
                     </a:solidFill>
@@ -12008,7 +12008,7 @@
               </a:ln>
               <a:extLst>
                 <a:ext uri="{91240B29-F687-4f45-9708-019B960494DF}">
-                  <a14:hiddenLine xmlns="" xmlns:a14="http://schemas.microsoft.com/office/drawing/2010/main" w="9525">
+                  <a14:hiddenLine xmlns:a14="http://schemas.microsoft.com/office/drawing/2010/main" xmlns="" w="9525">
                     <a:solidFill>
                       <a:srgbClr val="000000"/>
                     </a:solidFill>
@@ -12098,7 +12098,7 @@
               </a:ln>
               <a:extLst>
                 <a:ext uri="{91240B29-F687-4f45-9708-019B960494DF}">
-                  <a14:hiddenLine xmlns="" xmlns:a14="http://schemas.microsoft.com/office/drawing/2010/main" w="9525">
+                  <a14:hiddenLine xmlns:a14="http://schemas.microsoft.com/office/drawing/2010/main" xmlns="" w="9525">
                     <a:solidFill>
                       <a:srgbClr val="000000"/>
                     </a:solidFill>
@@ -12132,7 +12132,7 @@
               </a:ln>
               <a:extLst>
                 <a:ext uri="{91240B29-F687-4f45-9708-019B960494DF}">
-                  <a14:hiddenLine xmlns="" xmlns:a14="http://schemas.microsoft.com/office/drawing/2010/main" w="9525">
+                  <a14:hiddenLine xmlns:a14="http://schemas.microsoft.com/office/drawing/2010/main" xmlns="" w="9525">
                     <a:solidFill>
                       <a:srgbClr val="000000"/>
                     </a:solidFill>
@@ -12304,7 +12304,7 @@
           <a:p>
             <a:fld id="{B265AB03-70D4-45B4-A6EE-915CBB3D6A3D}" type="datetimeFigureOut">
               <a:rPr kumimoji="1" lang="ja-JP" altLang="en-US" smtClean="0"/>
-              <a:t>2022/5/29</a:t>
+              <a:t>2022/6/29</a:t>
             </a:fld>
             <a:endParaRPr kumimoji="1" lang="ja-JP" altLang="en-US"/>
           </a:p>
@@ -15823,8 +15823,21 @@
             </a:r>
             <a:r>
               <a:rPr kumimoji="1" lang="ja-JP" altLang="en-US" cap="none" dirty="0"/>
-              <a:t>オートマトン</a:t>
-            </a:r>
+              <a:t>オートマトン（</a:t>
+            </a:r>
+            <a:r>
+              <a:rPr kumimoji="1" lang="en-US" altLang="ja-JP" cap="none" dirty="0" err="1"/>
+              <a:t>VSCode</a:t>
+            </a:r>
+            <a:r>
+              <a:rPr kumimoji="1" lang="ja-JP" altLang="en-US" cap="none" dirty="0"/>
+              <a:t>の場合</a:t>
+            </a:r>
+            <a:r>
+              <a:rPr kumimoji="1" lang="en-US" altLang="ja-JP" cap="none" dirty="0"/>
+              <a:t>)</a:t>
+            </a:r>
+            <a:endParaRPr kumimoji="1" lang="ja-JP" altLang="en-US" cap="none" dirty="0"/>
           </a:p>
         </p:txBody>
       </p:sp>
@@ -16362,7 +16375,7 @@
         </p:nvGrpSpPr>
         <p:grpSpPr>
           <a:xfrm>
-            <a:off x="6681144" y="1312133"/>
+            <a:off x="6773168" y="1346199"/>
             <a:ext cx="1480613" cy="891978"/>
             <a:chOff x="7782981" y="4661557"/>
             <a:chExt cx="1480613" cy="891978"/>
@@ -16570,7 +16583,7 @@
         </p:nvGrpSpPr>
         <p:grpSpPr>
           <a:xfrm>
-            <a:off x="8683972" y="1312133"/>
+            <a:off x="8680962" y="1346199"/>
             <a:ext cx="1480613" cy="891978"/>
             <a:chOff x="7782981" y="4661557"/>
             <a:chExt cx="1480613" cy="891978"/>
@@ -16778,10 +16791,10 @@
         </p:nvGrpSpPr>
         <p:grpSpPr>
           <a:xfrm>
-            <a:off x="5047316" y="2617727"/>
-            <a:ext cx="1480613" cy="891978"/>
-            <a:chOff x="7782981" y="4661557"/>
-            <a:chExt cx="1480613" cy="891978"/>
+            <a:off x="4535444" y="3422460"/>
+            <a:ext cx="1480613" cy="884140"/>
+            <a:chOff x="6896072" y="5391270"/>
+            <a:chExt cx="1480613" cy="884140"/>
           </a:xfrm>
         </p:grpSpPr>
         <p:sp>
@@ -16798,7 +16811,7 @@
           </p:nvSpPr>
           <p:spPr>
             <a:xfrm>
-              <a:off x="8228006" y="4661557"/>
+              <a:off x="7344830" y="5391270"/>
               <a:ext cx="584201" cy="584201"/>
             </a:xfrm>
             <a:prstGeom prst="ellipse">
@@ -16844,7 +16857,7 @@
           </p:nvSpPr>
           <p:spPr>
             <a:xfrm>
-              <a:off x="7782981" y="5245758"/>
+              <a:off x="6896072" y="5967633"/>
               <a:ext cx="1480613" cy="307777"/>
             </a:xfrm>
             <a:prstGeom prst="rect">
@@ -17064,8 +17077,8 @@
         </p:nvCxnSpPr>
         <p:spPr>
           <a:xfrm rot="16200000" flipV="1">
-            <a:off x="8607825" y="2709608"/>
-            <a:ext cx="1629729" cy="3182"/>
+            <a:off x="8623353" y="2725136"/>
+            <a:ext cx="1595663" cy="6192"/>
           </a:xfrm>
           <a:prstGeom prst="curvedConnector3">
             <a:avLst>
@@ -17109,8 +17122,8 @@
         </p:nvCxnSpPr>
         <p:spPr>
           <a:xfrm rot="16200000" flipV="1">
-            <a:off x="5551698" y="3434672"/>
-            <a:ext cx="1764328" cy="714640"/>
+            <a:off x="5699996" y="3582969"/>
+            <a:ext cx="959595" cy="1222779"/>
           </a:xfrm>
           <a:prstGeom prst="curvedConnector2">
             <a:avLst/>
@@ -17152,8 +17165,8 @@
         </p:nvCxnSpPr>
         <p:spPr>
           <a:xfrm rot="10800000" flipV="1">
-            <a:off x="3568389" y="2909827"/>
-            <a:ext cx="1923953" cy="1757745"/>
+            <a:off x="3568388" y="3714561"/>
+            <a:ext cx="1415814" cy="953012"/>
           </a:xfrm>
           <a:prstGeom prst="curvedConnector2">
             <a:avLst/>
@@ -17281,8 +17294,8 @@
         </p:nvCxnSpPr>
         <p:spPr>
           <a:xfrm rot="10800000">
-            <a:off x="7710371" y="1604234"/>
-            <a:ext cx="1418627" cy="12700"/>
+            <a:off x="7802395" y="1638300"/>
+            <a:ext cx="1323593" cy="12700"/>
           </a:xfrm>
           <a:prstGeom prst="curvedConnector3">
             <a:avLst>
@@ -17325,9 +17338,9 @@
           <p:nvPr/>
         </p:nvCxnSpPr>
         <p:spPr>
-          <a:xfrm rot="10800000" flipV="1">
-            <a:off x="6291873" y="1604234"/>
-            <a:ext cx="834296" cy="34066"/>
+          <a:xfrm rot="10800000">
+            <a:off x="6291873" y="1638300"/>
+            <a:ext cx="926320" cy="12700"/>
           </a:xfrm>
           <a:prstGeom prst="curvedConnector3">
             <a:avLst>
@@ -17452,20 +17465,18 @@
           </p:cNvPr>
           <p:cNvCxnSpPr>
             <a:cxnSpLocks/>
-            <a:stCxn id="8" idx="5"/>
+            <a:stCxn id="8" idx="2"/>
             <a:endCxn id="94" idx="0"/>
           </p:cNvCxnSpPr>
           <p:nvPr/>
         </p:nvCxnSpPr>
         <p:spPr>
-          <a:xfrm rot="5400000">
-            <a:off x="5608941" y="2020348"/>
-            <a:ext cx="772881" cy="421877"/>
+          <a:xfrm rot="10800000" flipV="1">
+            <a:off x="5276304" y="1638300"/>
+            <a:ext cx="431369" cy="1784160"/>
           </a:xfrm>
-          <a:prstGeom prst="curvedConnector3">
-            <a:avLst>
-              <a:gd name="adj1" fmla="val 50000"/>
-            </a:avLst>
+          <a:prstGeom prst="curvedConnector2">
+            <a:avLst/>
           </a:prstGeom>
           <a:ln>
             <a:tailEnd type="triangle"/>
